--- a/Fundamentos/Fundamentos - Collections.pptx
+++ b/Fundamentos/Fundamentos - Collections.pptx
@@ -5,33 +5,41 @@
     <p:sldMasterId id="2147483792" r:id="rId1"/>
   </p:sldMasterIdLst>
   <p:notesMasterIdLst>
-    <p:notesMasterId r:id="rId26"/>
+    <p:notesMasterId r:id="rId34"/>
   </p:notesMasterIdLst>
   <p:sldIdLst>
     <p:sldId id="256" r:id="rId2"/>
     <p:sldId id="263" r:id="rId3"/>
     <p:sldId id="311" r:id="rId4"/>
-    <p:sldId id="312" r:id="rId5"/>
-    <p:sldId id="313" r:id="rId6"/>
-    <p:sldId id="314" r:id="rId7"/>
-    <p:sldId id="315" r:id="rId8"/>
-    <p:sldId id="316" r:id="rId9"/>
-    <p:sldId id="317" r:id="rId10"/>
-    <p:sldId id="318" r:id="rId11"/>
-    <p:sldId id="319" r:id="rId12"/>
-    <p:sldId id="320" r:id="rId13"/>
-    <p:sldId id="321" r:id="rId14"/>
-    <p:sldId id="322" r:id="rId15"/>
-    <p:sldId id="323" r:id="rId16"/>
-    <p:sldId id="324" r:id="rId17"/>
-    <p:sldId id="327" r:id="rId18"/>
-    <p:sldId id="328" r:id="rId19"/>
-    <p:sldId id="325" r:id="rId20"/>
-    <p:sldId id="326" r:id="rId21"/>
-    <p:sldId id="329" r:id="rId22"/>
-    <p:sldId id="330" r:id="rId23"/>
-    <p:sldId id="331" r:id="rId24"/>
-    <p:sldId id="332" r:id="rId25"/>
+    <p:sldId id="333" r:id="rId5"/>
+    <p:sldId id="312" r:id="rId6"/>
+    <p:sldId id="313" r:id="rId7"/>
+    <p:sldId id="314" r:id="rId8"/>
+    <p:sldId id="315" r:id="rId9"/>
+    <p:sldId id="316" r:id="rId10"/>
+    <p:sldId id="317" r:id="rId11"/>
+    <p:sldId id="318" r:id="rId12"/>
+    <p:sldId id="319" r:id="rId13"/>
+    <p:sldId id="320" r:id="rId14"/>
+    <p:sldId id="321" r:id="rId15"/>
+    <p:sldId id="322" r:id="rId16"/>
+    <p:sldId id="323" r:id="rId17"/>
+    <p:sldId id="324" r:id="rId18"/>
+    <p:sldId id="327" r:id="rId19"/>
+    <p:sldId id="328" r:id="rId20"/>
+    <p:sldId id="325" r:id="rId21"/>
+    <p:sldId id="326" r:id="rId22"/>
+    <p:sldId id="329" r:id="rId23"/>
+    <p:sldId id="330" r:id="rId24"/>
+    <p:sldId id="331" r:id="rId25"/>
+    <p:sldId id="332" r:id="rId26"/>
+    <p:sldId id="334" r:id="rId27"/>
+    <p:sldId id="335" r:id="rId28"/>
+    <p:sldId id="336" r:id="rId29"/>
+    <p:sldId id="337" r:id="rId30"/>
+    <p:sldId id="338" r:id="rId31"/>
+    <p:sldId id="339" r:id="rId32"/>
+    <p:sldId id="340" r:id="rId33"/>
   </p:sldIdLst>
   <p:sldSz cx="9144000" cy="6858000" type="screen4x3"/>
   <p:notesSz cx="6858000" cy="9144000"/>
@@ -216,7 +224,7 @@
             <a:fld id="{0798B77A-D2B4-472A-BFF6-BFE225C3220A}" type="datetimeFigureOut">
               <a:rPr lang="pt-BR" smtClean="0"/>
               <a:pPr/>
-              <a:t>01/04/2014</a:t>
+              <a:t>02/04/2014</a:t>
             </a:fld>
             <a:endParaRPr lang="pt-BR"/>
           </a:p>
@@ -1794,6 +1802,498 @@
 </p:notes>
 </file>
 
+<file path=ppt/notesSlides/notesSlide24.xml><?xml version="1.0" encoding="utf-8"?>
+<p:notes xmlns:a="http://schemas.openxmlformats.org/drawingml/2006/main" xmlns:r="http://schemas.openxmlformats.org/officeDocument/2006/relationships" xmlns:p="http://schemas.openxmlformats.org/presentationml/2006/main">
+  <p:cSld>
+    <p:spTree>
+      <p:nvGrpSpPr>
+        <p:cNvPr id="1" name=""/>
+        <p:cNvGrpSpPr/>
+        <p:nvPr/>
+      </p:nvGrpSpPr>
+      <p:grpSpPr>
+        <a:xfrm>
+          <a:off x="0" y="0"/>
+          <a:ext cx="0" cy="0"/>
+          <a:chOff x="0" y="0"/>
+          <a:chExt cx="0" cy="0"/>
+        </a:xfrm>
+      </p:grpSpPr>
+      <p:sp>
+        <p:nvSpPr>
+          <p:cNvPr id="2" name="Espaço Reservado para Imagem de Slide 1"/>
+          <p:cNvSpPr>
+            <a:spLocks noGrp="1" noRot="1" noChangeAspect="1"/>
+          </p:cNvSpPr>
+          <p:nvPr>
+            <p:ph type="sldImg"/>
+          </p:nvPr>
+        </p:nvSpPr>
+        <p:spPr/>
+      </p:sp>
+      <p:sp>
+        <p:nvSpPr>
+          <p:cNvPr id="3" name="Espaço Reservado para Anotações 2"/>
+          <p:cNvSpPr>
+            <a:spLocks noGrp="1"/>
+          </p:cNvSpPr>
+          <p:nvPr>
+            <p:ph type="body" idx="1"/>
+          </p:nvPr>
+        </p:nvSpPr>
+        <p:spPr/>
+        <p:txBody>
+          <a:bodyPr>
+            <a:normAutofit/>
+          </a:bodyPr>
+          <a:lstStyle/>
+          <a:p>
+            <a:endParaRPr lang="pt-BR" dirty="0" smtClean="0"/>
+          </a:p>
+        </p:txBody>
+      </p:sp>
+      <p:sp>
+        <p:nvSpPr>
+          <p:cNvPr id="4" name="Espaço Reservado para Número de Slide 3"/>
+          <p:cNvSpPr>
+            <a:spLocks noGrp="1"/>
+          </p:cNvSpPr>
+          <p:nvPr>
+            <p:ph type="sldNum" sz="quarter" idx="10"/>
+          </p:nvPr>
+        </p:nvSpPr>
+        <p:spPr/>
+        <p:txBody>
+          <a:bodyPr/>
+          <a:lstStyle/>
+          <a:p>
+            <a:fld id="{72B91EDC-0C87-4192-8AD8-36C87AC108D0}" type="slidenum">
+              <a:rPr lang="pt-BR" smtClean="0"/>
+              <a:pPr/>
+              <a:t>25</a:t>
+            </a:fld>
+            <a:endParaRPr lang="pt-BR"/>
+          </a:p>
+        </p:txBody>
+      </p:sp>
+    </p:spTree>
+  </p:cSld>
+  <p:clrMapOvr>
+    <a:masterClrMapping/>
+  </p:clrMapOvr>
+</p:notes>
+</file>
+
+<file path=ppt/notesSlides/notesSlide25.xml><?xml version="1.0" encoding="utf-8"?>
+<p:notes xmlns:a="http://schemas.openxmlformats.org/drawingml/2006/main" xmlns:r="http://schemas.openxmlformats.org/officeDocument/2006/relationships" xmlns:p="http://schemas.openxmlformats.org/presentationml/2006/main">
+  <p:cSld>
+    <p:spTree>
+      <p:nvGrpSpPr>
+        <p:cNvPr id="1" name=""/>
+        <p:cNvGrpSpPr/>
+        <p:nvPr/>
+      </p:nvGrpSpPr>
+      <p:grpSpPr>
+        <a:xfrm>
+          <a:off x="0" y="0"/>
+          <a:ext cx="0" cy="0"/>
+          <a:chOff x="0" y="0"/>
+          <a:chExt cx="0" cy="0"/>
+        </a:xfrm>
+      </p:grpSpPr>
+      <p:sp>
+        <p:nvSpPr>
+          <p:cNvPr id="2" name="Espaço Reservado para Imagem de Slide 1"/>
+          <p:cNvSpPr>
+            <a:spLocks noGrp="1" noRot="1" noChangeAspect="1"/>
+          </p:cNvSpPr>
+          <p:nvPr>
+            <p:ph type="sldImg"/>
+          </p:nvPr>
+        </p:nvSpPr>
+        <p:spPr/>
+      </p:sp>
+      <p:sp>
+        <p:nvSpPr>
+          <p:cNvPr id="3" name="Espaço Reservado para Anotações 2"/>
+          <p:cNvSpPr>
+            <a:spLocks noGrp="1"/>
+          </p:cNvSpPr>
+          <p:nvPr>
+            <p:ph type="body" idx="1"/>
+          </p:nvPr>
+        </p:nvSpPr>
+        <p:spPr/>
+        <p:txBody>
+          <a:bodyPr>
+            <a:normAutofit/>
+          </a:bodyPr>
+          <a:lstStyle/>
+          <a:p>
+            <a:endParaRPr lang="pt-BR" dirty="0" smtClean="0"/>
+          </a:p>
+        </p:txBody>
+      </p:sp>
+      <p:sp>
+        <p:nvSpPr>
+          <p:cNvPr id="4" name="Espaço Reservado para Número de Slide 3"/>
+          <p:cNvSpPr>
+            <a:spLocks noGrp="1"/>
+          </p:cNvSpPr>
+          <p:nvPr>
+            <p:ph type="sldNum" sz="quarter" idx="10"/>
+          </p:nvPr>
+        </p:nvSpPr>
+        <p:spPr/>
+        <p:txBody>
+          <a:bodyPr/>
+          <a:lstStyle/>
+          <a:p>
+            <a:fld id="{72B91EDC-0C87-4192-8AD8-36C87AC108D0}" type="slidenum">
+              <a:rPr lang="pt-BR" smtClean="0"/>
+              <a:pPr/>
+              <a:t>26</a:t>
+            </a:fld>
+            <a:endParaRPr lang="pt-BR"/>
+          </a:p>
+        </p:txBody>
+      </p:sp>
+    </p:spTree>
+  </p:cSld>
+  <p:clrMapOvr>
+    <a:masterClrMapping/>
+  </p:clrMapOvr>
+</p:notes>
+</file>
+
+<file path=ppt/notesSlides/notesSlide26.xml><?xml version="1.0" encoding="utf-8"?>
+<p:notes xmlns:a="http://schemas.openxmlformats.org/drawingml/2006/main" xmlns:r="http://schemas.openxmlformats.org/officeDocument/2006/relationships" xmlns:p="http://schemas.openxmlformats.org/presentationml/2006/main">
+  <p:cSld>
+    <p:spTree>
+      <p:nvGrpSpPr>
+        <p:cNvPr id="1" name=""/>
+        <p:cNvGrpSpPr/>
+        <p:nvPr/>
+      </p:nvGrpSpPr>
+      <p:grpSpPr>
+        <a:xfrm>
+          <a:off x="0" y="0"/>
+          <a:ext cx="0" cy="0"/>
+          <a:chOff x="0" y="0"/>
+          <a:chExt cx="0" cy="0"/>
+        </a:xfrm>
+      </p:grpSpPr>
+      <p:sp>
+        <p:nvSpPr>
+          <p:cNvPr id="2" name="Espaço Reservado para Imagem de Slide 1"/>
+          <p:cNvSpPr>
+            <a:spLocks noGrp="1" noRot="1" noChangeAspect="1"/>
+          </p:cNvSpPr>
+          <p:nvPr>
+            <p:ph type="sldImg"/>
+          </p:nvPr>
+        </p:nvSpPr>
+        <p:spPr/>
+      </p:sp>
+      <p:sp>
+        <p:nvSpPr>
+          <p:cNvPr id="3" name="Espaço Reservado para Anotações 2"/>
+          <p:cNvSpPr>
+            <a:spLocks noGrp="1"/>
+          </p:cNvSpPr>
+          <p:nvPr>
+            <p:ph type="body" idx="1"/>
+          </p:nvPr>
+        </p:nvSpPr>
+        <p:spPr/>
+        <p:txBody>
+          <a:bodyPr>
+            <a:normAutofit/>
+          </a:bodyPr>
+          <a:lstStyle/>
+          <a:p>
+            <a:endParaRPr lang="pt-BR" dirty="0" smtClean="0"/>
+          </a:p>
+        </p:txBody>
+      </p:sp>
+      <p:sp>
+        <p:nvSpPr>
+          <p:cNvPr id="4" name="Espaço Reservado para Número de Slide 3"/>
+          <p:cNvSpPr>
+            <a:spLocks noGrp="1"/>
+          </p:cNvSpPr>
+          <p:nvPr>
+            <p:ph type="sldNum" sz="quarter" idx="10"/>
+          </p:nvPr>
+        </p:nvSpPr>
+        <p:spPr/>
+        <p:txBody>
+          <a:bodyPr/>
+          <a:lstStyle/>
+          <a:p>
+            <a:fld id="{72B91EDC-0C87-4192-8AD8-36C87AC108D0}" type="slidenum">
+              <a:rPr lang="pt-BR" smtClean="0"/>
+              <a:pPr/>
+              <a:t>27</a:t>
+            </a:fld>
+            <a:endParaRPr lang="pt-BR"/>
+          </a:p>
+        </p:txBody>
+      </p:sp>
+    </p:spTree>
+  </p:cSld>
+  <p:clrMapOvr>
+    <a:masterClrMapping/>
+  </p:clrMapOvr>
+</p:notes>
+</file>
+
+<file path=ppt/notesSlides/notesSlide27.xml><?xml version="1.0" encoding="utf-8"?>
+<p:notes xmlns:a="http://schemas.openxmlformats.org/drawingml/2006/main" xmlns:r="http://schemas.openxmlformats.org/officeDocument/2006/relationships" xmlns:p="http://schemas.openxmlformats.org/presentationml/2006/main">
+  <p:cSld>
+    <p:spTree>
+      <p:nvGrpSpPr>
+        <p:cNvPr id="1" name=""/>
+        <p:cNvGrpSpPr/>
+        <p:nvPr/>
+      </p:nvGrpSpPr>
+      <p:grpSpPr>
+        <a:xfrm>
+          <a:off x="0" y="0"/>
+          <a:ext cx="0" cy="0"/>
+          <a:chOff x="0" y="0"/>
+          <a:chExt cx="0" cy="0"/>
+        </a:xfrm>
+      </p:grpSpPr>
+      <p:sp>
+        <p:nvSpPr>
+          <p:cNvPr id="2" name="Espaço Reservado para Imagem de Slide 1"/>
+          <p:cNvSpPr>
+            <a:spLocks noGrp="1" noRot="1" noChangeAspect="1"/>
+          </p:cNvSpPr>
+          <p:nvPr>
+            <p:ph type="sldImg"/>
+          </p:nvPr>
+        </p:nvSpPr>
+        <p:spPr/>
+      </p:sp>
+      <p:sp>
+        <p:nvSpPr>
+          <p:cNvPr id="3" name="Espaço Reservado para Anotações 2"/>
+          <p:cNvSpPr>
+            <a:spLocks noGrp="1"/>
+          </p:cNvSpPr>
+          <p:nvPr>
+            <p:ph type="body" idx="1"/>
+          </p:nvPr>
+        </p:nvSpPr>
+        <p:spPr/>
+        <p:txBody>
+          <a:bodyPr>
+            <a:normAutofit/>
+          </a:bodyPr>
+          <a:lstStyle/>
+          <a:p>
+            <a:endParaRPr lang="pt-BR" dirty="0" smtClean="0"/>
+          </a:p>
+        </p:txBody>
+      </p:sp>
+      <p:sp>
+        <p:nvSpPr>
+          <p:cNvPr id="4" name="Espaço Reservado para Número de Slide 3"/>
+          <p:cNvSpPr>
+            <a:spLocks noGrp="1"/>
+          </p:cNvSpPr>
+          <p:nvPr>
+            <p:ph type="sldNum" sz="quarter" idx="10"/>
+          </p:nvPr>
+        </p:nvSpPr>
+        <p:spPr/>
+        <p:txBody>
+          <a:bodyPr/>
+          <a:lstStyle/>
+          <a:p>
+            <a:fld id="{72B91EDC-0C87-4192-8AD8-36C87AC108D0}" type="slidenum">
+              <a:rPr lang="pt-BR" smtClean="0"/>
+              <a:pPr/>
+              <a:t>28</a:t>
+            </a:fld>
+            <a:endParaRPr lang="pt-BR"/>
+          </a:p>
+        </p:txBody>
+      </p:sp>
+    </p:spTree>
+  </p:cSld>
+  <p:clrMapOvr>
+    <a:masterClrMapping/>
+  </p:clrMapOvr>
+</p:notes>
+</file>
+
+<file path=ppt/notesSlides/notesSlide28.xml><?xml version="1.0" encoding="utf-8"?>
+<p:notes xmlns:a="http://schemas.openxmlformats.org/drawingml/2006/main" xmlns:r="http://schemas.openxmlformats.org/officeDocument/2006/relationships" xmlns:p="http://schemas.openxmlformats.org/presentationml/2006/main">
+  <p:cSld>
+    <p:spTree>
+      <p:nvGrpSpPr>
+        <p:cNvPr id="1" name=""/>
+        <p:cNvGrpSpPr/>
+        <p:nvPr/>
+      </p:nvGrpSpPr>
+      <p:grpSpPr>
+        <a:xfrm>
+          <a:off x="0" y="0"/>
+          <a:ext cx="0" cy="0"/>
+          <a:chOff x="0" y="0"/>
+          <a:chExt cx="0" cy="0"/>
+        </a:xfrm>
+      </p:grpSpPr>
+      <p:sp>
+        <p:nvSpPr>
+          <p:cNvPr id="2" name="Espaço Reservado para Imagem de Slide 1"/>
+          <p:cNvSpPr>
+            <a:spLocks noGrp="1" noRot="1" noChangeAspect="1"/>
+          </p:cNvSpPr>
+          <p:nvPr>
+            <p:ph type="sldImg"/>
+          </p:nvPr>
+        </p:nvSpPr>
+        <p:spPr/>
+      </p:sp>
+      <p:sp>
+        <p:nvSpPr>
+          <p:cNvPr id="3" name="Espaço Reservado para Anotações 2"/>
+          <p:cNvSpPr>
+            <a:spLocks noGrp="1"/>
+          </p:cNvSpPr>
+          <p:nvPr>
+            <p:ph type="body" idx="1"/>
+          </p:nvPr>
+        </p:nvSpPr>
+        <p:spPr/>
+        <p:txBody>
+          <a:bodyPr>
+            <a:normAutofit/>
+          </a:bodyPr>
+          <a:lstStyle/>
+          <a:p>
+            <a:endParaRPr lang="pt-BR" dirty="0" smtClean="0"/>
+          </a:p>
+        </p:txBody>
+      </p:sp>
+      <p:sp>
+        <p:nvSpPr>
+          <p:cNvPr id="4" name="Espaço Reservado para Número de Slide 3"/>
+          <p:cNvSpPr>
+            <a:spLocks noGrp="1"/>
+          </p:cNvSpPr>
+          <p:nvPr>
+            <p:ph type="sldNum" sz="quarter" idx="10"/>
+          </p:nvPr>
+        </p:nvSpPr>
+        <p:spPr/>
+        <p:txBody>
+          <a:bodyPr/>
+          <a:lstStyle/>
+          <a:p>
+            <a:fld id="{72B91EDC-0C87-4192-8AD8-36C87AC108D0}" type="slidenum">
+              <a:rPr lang="pt-BR" smtClean="0"/>
+              <a:pPr/>
+              <a:t>29</a:t>
+            </a:fld>
+            <a:endParaRPr lang="pt-BR"/>
+          </a:p>
+        </p:txBody>
+      </p:sp>
+    </p:spTree>
+  </p:cSld>
+  <p:clrMapOvr>
+    <a:masterClrMapping/>
+  </p:clrMapOvr>
+</p:notes>
+</file>
+
+<file path=ppt/notesSlides/notesSlide29.xml><?xml version="1.0" encoding="utf-8"?>
+<p:notes xmlns:a="http://schemas.openxmlformats.org/drawingml/2006/main" xmlns:r="http://schemas.openxmlformats.org/officeDocument/2006/relationships" xmlns:p="http://schemas.openxmlformats.org/presentationml/2006/main">
+  <p:cSld>
+    <p:spTree>
+      <p:nvGrpSpPr>
+        <p:cNvPr id="1" name=""/>
+        <p:cNvGrpSpPr/>
+        <p:nvPr/>
+      </p:nvGrpSpPr>
+      <p:grpSpPr>
+        <a:xfrm>
+          <a:off x="0" y="0"/>
+          <a:ext cx="0" cy="0"/>
+          <a:chOff x="0" y="0"/>
+          <a:chExt cx="0" cy="0"/>
+        </a:xfrm>
+      </p:grpSpPr>
+      <p:sp>
+        <p:nvSpPr>
+          <p:cNvPr id="2" name="Espaço Reservado para Imagem de Slide 1"/>
+          <p:cNvSpPr>
+            <a:spLocks noGrp="1" noRot="1" noChangeAspect="1"/>
+          </p:cNvSpPr>
+          <p:nvPr>
+            <p:ph type="sldImg"/>
+          </p:nvPr>
+        </p:nvSpPr>
+        <p:spPr/>
+      </p:sp>
+      <p:sp>
+        <p:nvSpPr>
+          <p:cNvPr id="3" name="Espaço Reservado para Anotações 2"/>
+          <p:cNvSpPr>
+            <a:spLocks noGrp="1"/>
+          </p:cNvSpPr>
+          <p:nvPr>
+            <p:ph type="body" idx="1"/>
+          </p:nvPr>
+        </p:nvSpPr>
+        <p:spPr/>
+        <p:txBody>
+          <a:bodyPr>
+            <a:normAutofit/>
+          </a:bodyPr>
+          <a:lstStyle/>
+          <a:p>
+            <a:endParaRPr lang="pt-BR" dirty="0" smtClean="0"/>
+          </a:p>
+        </p:txBody>
+      </p:sp>
+      <p:sp>
+        <p:nvSpPr>
+          <p:cNvPr id="4" name="Espaço Reservado para Número de Slide 3"/>
+          <p:cNvSpPr>
+            <a:spLocks noGrp="1"/>
+          </p:cNvSpPr>
+          <p:nvPr>
+            <p:ph type="sldNum" sz="quarter" idx="10"/>
+          </p:nvPr>
+        </p:nvSpPr>
+        <p:spPr/>
+        <p:txBody>
+          <a:bodyPr/>
+          <a:lstStyle/>
+          <a:p>
+            <a:fld id="{72B91EDC-0C87-4192-8AD8-36C87AC108D0}" type="slidenum">
+              <a:rPr lang="pt-BR" smtClean="0"/>
+              <a:pPr/>
+              <a:t>30</a:t>
+            </a:fld>
+            <a:endParaRPr lang="pt-BR"/>
+          </a:p>
+        </p:txBody>
+      </p:sp>
+    </p:spTree>
+  </p:cSld>
+  <p:clrMapOvr>
+    <a:masterClrMapping/>
+  </p:clrMapOvr>
+</p:notes>
+</file>
+
 <file path=ppt/notesSlides/notesSlide3.xml><?xml version="1.0" encoding="utf-8"?>
 <p:notes xmlns:a="http://schemas.openxmlformats.org/drawingml/2006/main" xmlns:r="http://schemas.openxmlformats.org/officeDocument/2006/relationships" xmlns:p="http://schemas.openxmlformats.org/presentationml/2006/main">
   <p:cSld>
@@ -1863,6 +2363,170 @@
               <a:rPr lang="pt-BR" smtClean="0"/>
               <a:pPr/>
               <a:t>4</a:t>
+            </a:fld>
+            <a:endParaRPr lang="pt-BR"/>
+          </a:p>
+        </p:txBody>
+      </p:sp>
+    </p:spTree>
+  </p:cSld>
+  <p:clrMapOvr>
+    <a:masterClrMapping/>
+  </p:clrMapOvr>
+</p:notes>
+</file>
+
+<file path=ppt/notesSlides/notesSlide30.xml><?xml version="1.0" encoding="utf-8"?>
+<p:notes xmlns:a="http://schemas.openxmlformats.org/drawingml/2006/main" xmlns:r="http://schemas.openxmlformats.org/officeDocument/2006/relationships" xmlns:p="http://schemas.openxmlformats.org/presentationml/2006/main">
+  <p:cSld>
+    <p:spTree>
+      <p:nvGrpSpPr>
+        <p:cNvPr id="1" name=""/>
+        <p:cNvGrpSpPr/>
+        <p:nvPr/>
+      </p:nvGrpSpPr>
+      <p:grpSpPr>
+        <a:xfrm>
+          <a:off x="0" y="0"/>
+          <a:ext cx="0" cy="0"/>
+          <a:chOff x="0" y="0"/>
+          <a:chExt cx="0" cy="0"/>
+        </a:xfrm>
+      </p:grpSpPr>
+      <p:sp>
+        <p:nvSpPr>
+          <p:cNvPr id="2" name="Espaço Reservado para Imagem de Slide 1"/>
+          <p:cNvSpPr>
+            <a:spLocks noGrp="1" noRot="1" noChangeAspect="1"/>
+          </p:cNvSpPr>
+          <p:nvPr>
+            <p:ph type="sldImg"/>
+          </p:nvPr>
+        </p:nvSpPr>
+        <p:spPr/>
+      </p:sp>
+      <p:sp>
+        <p:nvSpPr>
+          <p:cNvPr id="3" name="Espaço Reservado para Anotações 2"/>
+          <p:cNvSpPr>
+            <a:spLocks noGrp="1"/>
+          </p:cNvSpPr>
+          <p:nvPr>
+            <p:ph type="body" idx="1"/>
+          </p:nvPr>
+        </p:nvSpPr>
+        <p:spPr/>
+        <p:txBody>
+          <a:bodyPr>
+            <a:normAutofit/>
+          </a:bodyPr>
+          <a:lstStyle/>
+          <a:p>
+            <a:endParaRPr lang="pt-BR" dirty="0" smtClean="0"/>
+          </a:p>
+        </p:txBody>
+      </p:sp>
+      <p:sp>
+        <p:nvSpPr>
+          <p:cNvPr id="4" name="Espaço Reservado para Número de Slide 3"/>
+          <p:cNvSpPr>
+            <a:spLocks noGrp="1"/>
+          </p:cNvSpPr>
+          <p:nvPr>
+            <p:ph type="sldNum" sz="quarter" idx="10"/>
+          </p:nvPr>
+        </p:nvSpPr>
+        <p:spPr/>
+        <p:txBody>
+          <a:bodyPr/>
+          <a:lstStyle/>
+          <a:p>
+            <a:fld id="{72B91EDC-0C87-4192-8AD8-36C87AC108D0}" type="slidenum">
+              <a:rPr lang="pt-BR" smtClean="0"/>
+              <a:pPr/>
+              <a:t>31</a:t>
+            </a:fld>
+            <a:endParaRPr lang="pt-BR"/>
+          </a:p>
+        </p:txBody>
+      </p:sp>
+    </p:spTree>
+  </p:cSld>
+  <p:clrMapOvr>
+    <a:masterClrMapping/>
+  </p:clrMapOvr>
+</p:notes>
+</file>
+
+<file path=ppt/notesSlides/notesSlide31.xml><?xml version="1.0" encoding="utf-8"?>
+<p:notes xmlns:a="http://schemas.openxmlformats.org/drawingml/2006/main" xmlns:r="http://schemas.openxmlformats.org/officeDocument/2006/relationships" xmlns:p="http://schemas.openxmlformats.org/presentationml/2006/main">
+  <p:cSld>
+    <p:spTree>
+      <p:nvGrpSpPr>
+        <p:cNvPr id="1" name=""/>
+        <p:cNvGrpSpPr/>
+        <p:nvPr/>
+      </p:nvGrpSpPr>
+      <p:grpSpPr>
+        <a:xfrm>
+          <a:off x="0" y="0"/>
+          <a:ext cx="0" cy="0"/>
+          <a:chOff x="0" y="0"/>
+          <a:chExt cx="0" cy="0"/>
+        </a:xfrm>
+      </p:grpSpPr>
+      <p:sp>
+        <p:nvSpPr>
+          <p:cNvPr id="2" name="Espaço Reservado para Imagem de Slide 1"/>
+          <p:cNvSpPr>
+            <a:spLocks noGrp="1" noRot="1" noChangeAspect="1"/>
+          </p:cNvSpPr>
+          <p:nvPr>
+            <p:ph type="sldImg"/>
+          </p:nvPr>
+        </p:nvSpPr>
+        <p:spPr/>
+      </p:sp>
+      <p:sp>
+        <p:nvSpPr>
+          <p:cNvPr id="3" name="Espaço Reservado para Anotações 2"/>
+          <p:cNvSpPr>
+            <a:spLocks noGrp="1"/>
+          </p:cNvSpPr>
+          <p:nvPr>
+            <p:ph type="body" idx="1"/>
+          </p:nvPr>
+        </p:nvSpPr>
+        <p:spPr/>
+        <p:txBody>
+          <a:bodyPr>
+            <a:normAutofit/>
+          </a:bodyPr>
+          <a:lstStyle/>
+          <a:p>
+            <a:endParaRPr lang="pt-BR" dirty="0" smtClean="0"/>
+          </a:p>
+        </p:txBody>
+      </p:sp>
+      <p:sp>
+        <p:nvSpPr>
+          <p:cNvPr id="4" name="Espaço Reservado para Número de Slide 3"/>
+          <p:cNvSpPr>
+            <a:spLocks noGrp="1"/>
+          </p:cNvSpPr>
+          <p:nvPr>
+            <p:ph type="sldNum" sz="quarter" idx="10"/>
+          </p:nvPr>
+        </p:nvSpPr>
+        <p:spPr/>
+        <p:txBody>
+          <a:bodyPr/>
+          <a:lstStyle/>
+          <a:p>
+            <a:fld id="{72B91EDC-0C87-4192-8AD8-36C87AC108D0}" type="slidenum">
+              <a:rPr lang="pt-BR" smtClean="0"/>
+              <a:pPr/>
+              <a:t>32</a:t>
             </a:fld>
             <a:endParaRPr lang="pt-BR"/>
           </a:p>
@@ -2617,7 +3281,7 @@
             <a:fld id="{2E700DB3-DBF0-4086-B675-117E7A9610B8}" type="datetimeFigureOut">
               <a:rPr lang="pt-BR" smtClean="0"/>
               <a:pPr/>
-              <a:t>01/04/2014</a:t>
+              <a:t>02/04/2014</a:t>
             </a:fld>
             <a:endParaRPr lang="pt-BR"/>
           </a:p>
@@ -2842,7 +3506,7 @@
             <a:fld id="{2E700DB3-DBF0-4086-B675-117E7A9610B8}" type="datetimeFigureOut">
               <a:rPr lang="pt-BR" smtClean="0"/>
               <a:pPr/>
-              <a:t>01/04/2014</a:t>
+              <a:t>02/04/2014</a:t>
             </a:fld>
             <a:endParaRPr lang="pt-BR"/>
           </a:p>
@@ -3124,7 +3788,7 @@
             <a:fld id="{2E700DB3-DBF0-4086-B675-117E7A9610B8}" type="datetimeFigureOut">
               <a:rPr lang="pt-BR" smtClean="0"/>
               <a:pPr/>
-              <a:t>01/04/2014</a:t>
+              <a:t>02/04/2014</a:t>
             </a:fld>
             <a:endParaRPr lang="pt-BR"/>
           </a:p>
@@ -3305,7 +3969,7 @@
             <a:fld id="{2E700DB3-DBF0-4086-B675-117E7A9610B8}" type="datetimeFigureOut">
               <a:rPr lang="pt-BR" smtClean="0"/>
               <a:pPr/>
-              <a:t>01/04/2014</a:t>
+              <a:t>02/04/2014</a:t>
             </a:fld>
             <a:endParaRPr lang="pt-BR"/>
           </a:p>
@@ -3665,7 +4329,7 @@
             <a:fld id="{2E700DB3-DBF0-4086-B675-117E7A9610B8}" type="datetimeFigureOut">
               <a:rPr lang="pt-BR" smtClean="0"/>
               <a:pPr/>
-              <a:t>01/04/2014</a:t>
+              <a:t>02/04/2014</a:t>
             </a:fld>
             <a:endParaRPr lang="pt-BR"/>
           </a:p>
@@ -3954,7 +4618,7 @@
             <a:fld id="{2E700DB3-DBF0-4086-B675-117E7A9610B8}" type="datetimeFigureOut">
               <a:rPr lang="pt-BR" smtClean="0"/>
               <a:pPr/>
-              <a:t>01/04/2014</a:t>
+              <a:t>02/04/2014</a:t>
             </a:fld>
             <a:endParaRPr lang="pt-BR"/>
           </a:p>
@@ -4378,7 +5042,7 @@
             <a:fld id="{2E700DB3-DBF0-4086-B675-117E7A9610B8}" type="datetimeFigureOut">
               <a:rPr lang="pt-BR" smtClean="0"/>
               <a:pPr/>
-              <a:t>01/04/2014</a:t>
+              <a:t>02/04/2014</a:t>
             </a:fld>
             <a:endParaRPr lang="pt-BR"/>
           </a:p>
@@ -4495,7 +5159,7 @@
             <a:fld id="{2E700DB3-DBF0-4086-B675-117E7A9610B8}" type="datetimeFigureOut">
               <a:rPr lang="pt-BR" smtClean="0"/>
               <a:pPr/>
-              <a:t>01/04/2014</a:t>
+              <a:t>02/04/2014</a:t>
             </a:fld>
             <a:endParaRPr lang="pt-BR"/>
           </a:p>
@@ -4587,7 +5251,7 @@
             <a:fld id="{2E700DB3-DBF0-4086-B675-117E7A9610B8}" type="datetimeFigureOut">
               <a:rPr lang="pt-BR" smtClean="0"/>
               <a:pPr/>
-              <a:t>01/04/2014</a:t>
+              <a:t>02/04/2014</a:t>
             </a:fld>
             <a:endParaRPr lang="pt-BR"/>
           </a:p>
@@ -4867,7 +5531,7 @@
             <a:fld id="{2E700DB3-DBF0-4086-B675-117E7A9610B8}" type="datetimeFigureOut">
               <a:rPr lang="pt-BR" smtClean="0"/>
               <a:pPr/>
-              <a:t>01/04/2014</a:t>
+              <a:t>02/04/2014</a:t>
             </a:fld>
             <a:endParaRPr lang="pt-BR"/>
           </a:p>
@@ -5235,7 +5899,7 @@
             <a:fld id="{2E700DB3-DBF0-4086-B675-117E7A9610B8}" type="datetimeFigureOut">
               <a:rPr lang="pt-BR" smtClean="0"/>
               <a:pPr/>
-              <a:t>01/04/2014</a:t>
+              <a:t>02/04/2014</a:t>
             </a:fld>
             <a:endParaRPr lang="pt-BR"/>
           </a:p>
@@ -5674,7 +6338,7 @@
             <a:fld id="{2E700DB3-DBF0-4086-B675-117E7A9610B8}" type="datetimeFigureOut">
               <a:rPr lang="pt-BR" smtClean="0"/>
               <a:pPr/>
-              <a:t>01/04/2014</a:t>
+              <a:t>02/04/2014</a:t>
             </a:fld>
             <a:endParaRPr lang="pt-BR"/>
           </a:p>
@@ -6189,6 +6853,106 @@
           </a:p>
         </p:txBody>
       </p:sp>
+      <p:sp>
+        <p:nvSpPr>
+          <p:cNvPr id="3" name="Espaço Reservado para Conteúdo 2"/>
+          <p:cNvSpPr>
+            <a:spLocks noGrp="1"/>
+          </p:cNvSpPr>
+          <p:nvPr>
+            <p:ph idx="1"/>
+          </p:nvPr>
+        </p:nvSpPr>
+        <p:spPr/>
+        <p:txBody>
+          <a:bodyPr>
+            <a:normAutofit/>
+          </a:bodyPr>
+          <a:lstStyle/>
+          <a:p>
+            <a:r>
+              <a:rPr lang="pt-BR" dirty="0" smtClean="0"/>
+              <a:t>“Collection” Interface</a:t>
+            </a:r>
+          </a:p>
+          <a:p>
+            <a:pPr lvl="1"/>
+            <a:r>
+              <a:rPr lang="pt-BR" dirty="0" smtClean="0"/>
+              <a:t>Interface base do Framework Collection</a:t>
+            </a:r>
+          </a:p>
+          <a:p>
+            <a:pPr lvl="1"/>
+            <a:r>
+              <a:rPr lang="pt-BR" dirty="0" smtClean="0"/>
+              <a:t>Define a visão mais geral de uma coleção</a:t>
+            </a:r>
+          </a:p>
+          <a:p>
+            <a:pPr lvl="1"/>
+            <a:r>
+              <a:rPr lang="pt-BR" dirty="0" smtClean="0"/>
+              <a:t>JDK não fornece implementação direta desta interface, apenas para as subinterfaces, tais como Set e List</a:t>
+            </a:r>
+          </a:p>
+        </p:txBody>
+      </p:sp>
+    </p:spTree>
+  </p:cSld>
+  <p:clrMapOvr>
+    <a:masterClrMapping/>
+  </p:clrMapOvr>
+  <p:timing>
+    <p:tnLst>
+      <p:par>
+        <p:cTn id="1" dur="indefinite" restart="never" nodeType="tmRoot"/>
+      </p:par>
+    </p:tnLst>
+  </p:timing>
+</p:sld>
+</file>
+
+<file path=ppt/slides/slide11.xml><?xml version="1.0" encoding="utf-8"?>
+<p:sld xmlns:a="http://schemas.openxmlformats.org/drawingml/2006/main" xmlns:r="http://schemas.openxmlformats.org/officeDocument/2006/relationships" xmlns:p="http://schemas.openxmlformats.org/presentationml/2006/main">
+  <p:cSld>
+    <p:spTree>
+      <p:nvGrpSpPr>
+        <p:cNvPr id="1" name=""/>
+        <p:cNvGrpSpPr/>
+        <p:nvPr/>
+      </p:nvGrpSpPr>
+      <p:grpSpPr>
+        <a:xfrm>
+          <a:off x="0" y="0"/>
+          <a:ext cx="0" cy="0"/>
+          <a:chOff x="0" y="0"/>
+          <a:chExt cx="0" cy="0"/>
+        </a:xfrm>
+      </p:grpSpPr>
+      <p:sp>
+        <p:nvSpPr>
+          <p:cNvPr id="2" name="Título 1"/>
+          <p:cNvSpPr>
+            <a:spLocks noGrp="1"/>
+          </p:cNvSpPr>
+          <p:nvPr>
+            <p:ph type="title"/>
+          </p:nvPr>
+        </p:nvSpPr>
+        <p:spPr/>
+        <p:txBody>
+          <a:bodyPr/>
+          <a:lstStyle/>
+          <a:p>
+            <a:r>
+              <a:rPr lang="pt-BR" dirty="0" smtClean="0"/>
+              <a:t>Framework Collection</a:t>
+            </a:r>
+            <a:endParaRPr lang="pt-BR" dirty="0"/>
+          </a:p>
+        </p:txBody>
+      </p:sp>
       <p:pic>
         <p:nvPicPr>
           <p:cNvPr id="3074" name="Picture 2"/>
@@ -6236,195 +7000,6 @@
 </p:sld>
 </file>
 
-<file path=ppt/slides/slide11.xml><?xml version="1.0" encoding="utf-8"?>
-<p:sld xmlns:a="http://schemas.openxmlformats.org/drawingml/2006/main" xmlns:r="http://schemas.openxmlformats.org/officeDocument/2006/relationships" xmlns:p="http://schemas.openxmlformats.org/presentationml/2006/main">
-  <p:cSld>
-    <p:spTree>
-      <p:nvGrpSpPr>
-        <p:cNvPr id="1" name=""/>
-        <p:cNvGrpSpPr/>
-        <p:nvPr/>
-      </p:nvGrpSpPr>
-      <p:grpSpPr>
-        <a:xfrm>
-          <a:off x="0" y="0"/>
-          <a:ext cx="0" cy="0"/>
-          <a:chOff x="0" y="0"/>
-          <a:chExt cx="0" cy="0"/>
-        </a:xfrm>
-      </p:grpSpPr>
-      <p:sp>
-        <p:nvSpPr>
-          <p:cNvPr id="2" name="Título 1"/>
-          <p:cNvSpPr>
-            <a:spLocks noGrp="1"/>
-          </p:cNvSpPr>
-          <p:nvPr>
-            <p:ph type="title"/>
-          </p:nvPr>
-        </p:nvSpPr>
-        <p:spPr/>
-        <p:txBody>
-          <a:bodyPr/>
-          <a:lstStyle/>
-          <a:p>
-            <a:r>
-              <a:rPr lang="pt-BR" dirty="0" smtClean="0"/>
-              <a:t>Framework Collection</a:t>
-            </a:r>
-            <a:endParaRPr lang="pt-BR" dirty="0"/>
-          </a:p>
-        </p:txBody>
-      </p:sp>
-      <p:sp>
-        <p:nvSpPr>
-          <p:cNvPr id="3" name="Espaço Reservado para Conteúdo 2"/>
-          <p:cNvSpPr>
-            <a:spLocks noGrp="1"/>
-          </p:cNvSpPr>
-          <p:nvPr>
-            <p:ph idx="1"/>
-          </p:nvPr>
-        </p:nvSpPr>
-        <p:spPr/>
-        <p:txBody>
-          <a:bodyPr>
-            <a:normAutofit/>
-          </a:bodyPr>
-          <a:lstStyle/>
-          <a:p>
-            <a:r>
-              <a:rPr lang="pt-BR" dirty="0" smtClean="0"/>
-              <a:t>“Collection” Interface</a:t>
-            </a:r>
-          </a:p>
-          <a:p>
-            <a:pPr lvl="1"/>
-            <a:r>
-              <a:rPr lang="pt-BR" b="1" dirty="0" err="1" smtClean="0"/>
-              <a:t>add</a:t>
-            </a:r>
-            <a:r>
-              <a:rPr lang="pt-BR" b="1" dirty="0" smtClean="0"/>
-              <a:t>(E </a:t>
-            </a:r>
-            <a:r>
-              <a:rPr lang="pt-BR" b="1" dirty="0" err="1" smtClean="0"/>
-              <a:t>element</a:t>
-            </a:r>
-            <a:r>
-              <a:rPr lang="pt-BR" b="1" dirty="0" smtClean="0"/>
-              <a:t>)</a:t>
-            </a:r>
-          </a:p>
-          <a:p>
-            <a:pPr lvl="2"/>
-            <a:r>
-              <a:rPr lang="pt-BR" dirty="0" smtClean="0"/>
-              <a:t>Adiciona um elemento à coleção</a:t>
-            </a:r>
-          </a:p>
-          <a:p>
-            <a:pPr lvl="2"/>
-            <a:r>
-              <a:rPr lang="pt-BR" dirty="0" smtClean="0"/>
-              <a:t>Se for um Set, respeita a regra de “não duplicidade”</a:t>
-            </a:r>
-          </a:p>
-          <a:p>
-            <a:pPr lvl="2"/>
-            <a:r>
-              <a:rPr lang="pt-BR" dirty="0" smtClean="0"/>
-              <a:t>Retorna </a:t>
-            </a:r>
-            <a:r>
-              <a:rPr lang="pt-BR" dirty="0" err="1" smtClean="0"/>
-              <a:t>true</a:t>
-            </a:r>
-            <a:r>
-              <a:rPr lang="pt-BR" dirty="0" smtClean="0"/>
-              <a:t> se esta coleção foi alterada e </a:t>
-            </a:r>
-            <a:r>
-              <a:rPr lang="pt-BR" dirty="0" err="1" smtClean="0"/>
-              <a:t>false</a:t>
-            </a:r>
-            <a:r>
-              <a:rPr lang="pt-BR" dirty="0" smtClean="0"/>
-              <a:t> caso contrário</a:t>
-            </a:r>
-          </a:p>
-          <a:p>
-            <a:pPr lvl="1"/>
-            <a:r>
-              <a:rPr lang="pt-BR" b="1" dirty="0" smtClean="0"/>
-              <a:t>remove(</a:t>
-            </a:r>
-            <a:r>
-              <a:rPr lang="pt-BR" b="1" dirty="0" err="1" smtClean="0"/>
-              <a:t>Object</a:t>
-            </a:r>
-            <a:r>
-              <a:rPr lang="pt-BR" b="1" dirty="0" smtClean="0"/>
-              <a:t> </a:t>
-            </a:r>
-            <a:r>
-              <a:rPr lang="pt-BR" b="1" dirty="0" err="1" smtClean="0"/>
-              <a:t>element</a:t>
-            </a:r>
-            <a:r>
-              <a:rPr lang="pt-BR" b="1" dirty="0" smtClean="0"/>
-              <a:t>)</a:t>
-            </a:r>
-          </a:p>
-          <a:p>
-            <a:pPr lvl="2"/>
-            <a:r>
-              <a:rPr lang="pt-BR" dirty="0" smtClean="0"/>
-              <a:t>Remove o elemento especificado da coleção</a:t>
-            </a:r>
-          </a:p>
-          <a:p>
-            <a:pPr lvl="2"/>
-            <a:r>
-              <a:rPr lang="pt-BR" dirty="0" smtClean="0"/>
-              <a:t>Retorna </a:t>
-            </a:r>
-            <a:r>
-              <a:rPr lang="pt-BR" dirty="0" err="1" smtClean="0"/>
-              <a:t>true</a:t>
-            </a:r>
-            <a:r>
-              <a:rPr lang="pt-BR" dirty="0" smtClean="0"/>
-              <a:t> se o elemento foi removido e </a:t>
-            </a:r>
-            <a:r>
-              <a:rPr lang="pt-BR" dirty="0" err="1" smtClean="0"/>
-              <a:t>false</a:t>
-            </a:r>
-            <a:r>
-              <a:rPr lang="pt-BR" dirty="0" smtClean="0"/>
-              <a:t> caso contrário</a:t>
-            </a:r>
-            <a:endParaRPr lang="pt-BR" dirty="0" smtClean="0"/>
-          </a:p>
-        </p:txBody>
-      </p:sp>
-    </p:spTree>
-  </p:cSld>
-  <p:clrMapOvr>
-    <a:masterClrMapping/>
-  </p:clrMapOvr>
-  <p:timing>
-    <p:tnLst>
-      <p:par>
-        <p:cTn id="1" dur="indefinite" restart="never" nodeType="tmRoot"/>
-      </p:par>
-    </p:tnLst>
-  </p:timing>
-</p:sld>
-</file>
-
 <file path=ppt/slides/slide12.xml><?xml version="1.0" encoding="utf-8"?>
 <p:sld xmlns:a="http://schemas.openxmlformats.org/drawingml/2006/main" xmlns:r="http://schemas.openxmlformats.org/officeDocument/2006/relationships" xmlns:p="http://schemas.openxmlformats.org/presentationml/2006/main">
   <p:cSld>
@@ -6484,6 +7059,194 @@
           <a:p>
             <a:r>
               <a:rPr lang="pt-BR" dirty="0" smtClean="0"/>
+              <a:t>“Collection” Interface</a:t>
+            </a:r>
+          </a:p>
+          <a:p>
+            <a:pPr lvl="1"/>
+            <a:r>
+              <a:rPr lang="pt-BR" b="1" dirty="0" err="1" smtClean="0"/>
+              <a:t>add</a:t>
+            </a:r>
+            <a:r>
+              <a:rPr lang="pt-BR" b="1" dirty="0" smtClean="0"/>
+              <a:t>(E </a:t>
+            </a:r>
+            <a:r>
+              <a:rPr lang="pt-BR" b="1" dirty="0" err="1" smtClean="0"/>
+              <a:t>element</a:t>
+            </a:r>
+            <a:r>
+              <a:rPr lang="pt-BR" b="1" dirty="0" smtClean="0"/>
+              <a:t>)</a:t>
+            </a:r>
+          </a:p>
+          <a:p>
+            <a:pPr lvl="2"/>
+            <a:r>
+              <a:rPr lang="pt-BR" dirty="0" smtClean="0"/>
+              <a:t>Adiciona um elemento à coleção</a:t>
+            </a:r>
+          </a:p>
+          <a:p>
+            <a:pPr lvl="2"/>
+            <a:r>
+              <a:rPr lang="pt-BR" dirty="0" smtClean="0"/>
+              <a:t>Se for um Set, respeita a regra de “não duplicidade”</a:t>
+            </a:r>
+          </a:p>
+          <a:p>
+            <a:pPr lvl="2"/>
+            <a:r>
+              <a:rPr lang="pt-BR" dirty="0" smtClean="0"/>
+              <a:t>Retorna </a:t>
+            </a:r>
+            <a:r>
+              <a:rPr lang="pt-BR" dirty="0" err="1" smtClean="0"/>
+              <a:t>true</a:t>
+            </a:r>
+            <a:r>
+              <a:rPr lang="pt-BR" dirty="0" smtClean="0"/>
+              <a:t> se esta coleção foi alterada e </a:t>
+            </a:r>
+            <a:r>
+              <a:rPr lang="pt-BR" dirty="0" err="1" smtClean="0"/>
+              <a:t>false</a:t>
+            </a:r>
+            <a:r>
+              <a:rPr lang="pt-BR" dirty="0" smtClean="0"/>
+              <a:t> caso contrário</a:t>
+            </a:r>
+          </a:p>
+          <a:p>
+            <a:pPr lvl="1"/>
+            <a:r>
+              <a:rPr lang="pt-BR" b="1" dirty="0" smtClean="0"/>
+              <a:t>remove(</a:t>
+            </a:r>
+            <a:r>
+              <a:rPr lang="pt-BR" b="1" dirty="0" err="1" smtClean="0"/>
+              <a:t>Object</a:t>
+            </a:r>
+            <a:r>
+              <a:rPr lang="pt-BR" b="1" dirty="0" smtClean="0"/>
+              <a:t> </a:t>
+            </a:r>
+            <a:r>
+              <a:rPr lang="pt-BR" b="1" dirty="0" err="1" smtClean="0"/>
+              <a:t>element</a:t>
+            </a:r>
+            <a:r>
+              <a:rPr lang="pt-BR" b="1" dirty="0" smtClean="0"/>
+              <a:t>)</a:t>
+            </a:r>
+          </a:p>
+          <a:p>
+            <a:pPr lvl="2"/>
+            <a:r>
+              <a:rPr lang="pt-BR" dirty="0" smtClean="0"/>
+              <a:t>Remove o elemento especificado da coleção</a:t>
+            </a:r>
+          </a:p>
+          <a:p>
+            <a:pPr lvl="2"/>
+            <a:r>
+              <a:rPr lang="pt-BR" dirty="0" smtClean="0"/>
+              <a:t>Retorna </a:t>
+            </a:r>
+            <a:r>
+              <a:rPr lang="pt-BR" dirty="0" err="1" smtClean="0"/>
+              <a:t>true</a:t>
+            </a:r>
+            <a:r>
+              <a:rPr lang="pt-BR" dirty="0" smtClean="0"/>
+              <a:t> se o elemento foi removido e </a:t>
+            </a:r>
+            <a:r>
+              <a:rPr lang="pt-BR" dirty="0" err="1" smtClean="0"/>
+              <a:t>false</a:t>
+            </a:r>
+            <a:r>
+              <a:rPr lang="pt-BR" dirty="0" smtClean="0"/>
+              <a:t> caso contrário</a:t>
+            </a:r>
+          </a:p>
+        </p:txBody>
+      </p:sp>
+    </p:spTree>
+  </p:cSld>
+  <p:clrMapOvr>
+    <a:masterClrMapping/>
+  </p:clrMapOvr>
+  <p:timing>
+    <p:tnLst>
+      <p:par>
+        <p:cTn id="1" dur="indefinite" restart="never" nodeType="tmRoot"/>
+      </p:par>
+    </p:tnLst>
+  </p:timing>
+</p:sld>
+</file>
+
+<file path=ppt/slides/slide13.xml><?xml version="1.0" encoding="utf-8"?>
+<p:sld xmlns:a="http://schemas.openxmlformats.org/drawingml/2006/main" xmlns:r="http://schemas.openxmlformats.org/officeDocument/2006/relationships" xmlns:p="http://schemas.openxmlformats.org/presentationml/2006/main">
+  <p:cSld>
+    <p:spTree>
+      <p:nvGrpSpPr>
+        <p:cNvPr id="1" name=""/>
+        <p:cNvGrpSpPr/>
+        <p:nvPr/>
+      </p:nvGrpSpPr>
+      <p:grpSpPr>
+        <a:xfrm>
+          <a:off x="0" y="0"/>
+          <a:ext cx="0" cy="0"/>
+          <a:chOff x="0" y="0"/>
+          <a:chExt cx="0" cy="0"/>
+        </a:xfrm>
+      </p:grpSpPr>
+      <p:sp>
+        <p:nvSpPr>
+          <p:cNvPr id="2" name="Título 1"/>
+          <p:cNvSpPr>
+            <a:spLocks noGrp="1"/>
+          </p:cNvSpPr>
+          <p:nvPr>
+            <p:ph type="title"/>
+          </p:nvPr>
+        </p:nvSpPr>
+        <p:spPr/>
+        <p:txBody>
+          <a:bodyPr/>
+          <a:lstStyle/>
+          <a:p>
+            <a:r>
+              <a:rPr lang="pt-BR" dirty="0" smtClean="0"/>
+              <a:t>Framework Collection</a:t>
+            </a:r>
+            <a:endParaRPr lang="pt-BR" dirty="0"/>
+          </a:p>
+        </p:txBody>
+      </p:sp>
+      <p:sp>
+        <p:nvSpPr>
+          <p:cNvPr id="3" name="Espaço Reservado para Conteúdo 2"/>
+          <p:cNvSpPr>
+            <a:spLocks noGrp="1"/>
+          </p:cNvSpPr>
+          <p:nvPr>
+            <p:ph idx="1"/>
+          </p:nvPr>
+        </p:nvSpPr>
+        <p:spPr/>
+        <p:txBody>
+          <a:bodyPr>
+            <a:normAutofit/>
+          </a:bodyPr>
+          <a:lstStyle/>
+          <a:p>
+            <a:r>
+              <a:rPr lang="pt-BR" dirty="0" smtClean="0"/>
               <a:t>Collection </a:t>
             </a:r>
             <a:r>
@@ -6506,7 +7269,6 @@
               <a:rPr lang="pt-BR" dirty="0" smtClean="0"/>
               <a:t>Construção que permite percorrer os itens de uma coleção usando uma estrutura de loop</a:t>
             </a:r>
-            <a:endParaRPr lang="pt-BR" dirty="0" smtClean="0"/>
           </a:p>
           <a:p>
             <a:pPr lvl="1"/>
@@ -6609,177 +7371,6 @@
 </p:sld>
 </file>
 
-<file path=ppt/slides/slide13.xml><?xml version="1.0" encoding="utf-8"?>
-<p:sld xmlns:a="http://schemas.openxmlformats.org/drawingml/2006/main" xmlns:r="http://schemas.openxmlformats.org/officeDocument/2006/relationships" xmlns:p="http://schemas.openxmlformats.org/presentationml/2006/main">
-  <p:cSld>
-    <p:spTree>
-      <p:nvGrpSpPr>
-        <p:cNvPr id="1" name=""/>
-        <p:cNvGrpSpPr/>
-        <p:nvPr/>
-      </p:nvGrpSpPr>
-      <p:grpSpPr>
-        <a:xfrm>
-          <a:off x="0" y="0"/>
-          <a:ext cx="0" cy="0"/>
-          <a:chOff x="0" y="0"/>
-          <a:chExt cx="0" cy="0"/>
-        </a:xfrm>
-      </p:grpSpPr>
-      <p:sp>
-        <p:nvSpPr>
-          <p:cNvPr id="2" name="Título 1"/>
-          <p:cNvSpPr>
-            <a:spLocks noGrp="1"/>
-          </p:cNvSpPr>
-          <p:nvPr>
-            <p:ph type="title"/>
-          </p:nvPr>
-        </p:nvSpPr>
-        <p:spPr/>
-        <p:txBody>
-          <a:bodyPr/>
-          <a:lstStyle/>
-          <a:p>
-            <a:r>
-              <a:rPr lang="pt-BR" dirty="0" smtClean="0"/>
-              <a:t>Framework Collection</a:t>
-            </a:r>
-            <a:endParaRPr lang="pt-BR" dirty="0"/>
-          </a:p>
-        </p:txBody>
-      </p:sp>
-      <p:sp>
-        <p:nvSpPr>
-          <p:cNvPr id="3" name="Espaço Reservado para Conteúdo 2"/>
-          <p:cNvSpPr>
-            <a:spLocks noGrp="1"/>
-          </p:cNvSpPr>
-          <p:nvPr>
-            <p:ph idx="1"/>
-          </p:nvPr>
-        </p:nvSpPr>
-        <p:spPr/>
-        <p:txBody>
-          <a:bodyPr>
-            <a:normAutofit fontScale="92500"/>
-          </a:bodyPr>
-          <a:lstStyle/>
-          <a:p>
-            <a:r>
-              <a:rPr lang="pt-BR" dirty="0" smtClean="0"/>
-              <a:t>“Collection” Interface (</a:t>
-            </a:r>
-            <a:r>
-              <a:rPr lang="pt-BR" dirty="0" err="1" smtClean="0"/>
-              <a:t>Bulk</a:t>
-            </a:r>
-            <a:r>
-              <a:rPr lang="pt-BR" dirty="0" smtClean="0"/>
-              <a:t> </a:t>
-            </a:r>
-            <a:r>
-              <a:rPr lang="pt-BR" dirty="0" err="1" smtClean="0"/>
-              <a:t>Operations</a:t>
-            </a:r>
-            <a:r>
-              <a:rPr lang="pt-BR" dirty="0" smtClean="0"/>
-              <a:t>)</a:t>
-            </a:r>
-          </a:p>
-          <a:p>
-            <a:pPr lvl="1"/>
-            <a:r>
-              <a:rPr lang="pt-BR" b="1" dirty="0" err="1" smtClean="0"/>
-              <a:t>containsAll</a:t>
-            </a:r>
-            <a:r>
-              <a:rPr lang="pt-BR" b="1" dirty="0" smtClean="0"/>
-              <a:t>(Collection): </a:t>
-            </a:r>
-            <a:r>
-              <a:rPr lang="pt-BR" dirty="0" err="1" smtClean="0"/>
-              <a:t>true</a:t>
-            </a:r>
-            <a:r>
-              <a:rPr lang="pt-BR" dirty="0" smtClean="0"/>
-              <a:t> indica que a coleção contém todos os itens da coleção passada como parâmetros</a:t>
-            </a:r>
-          </a:p>
-          <a:p>
-            <a:pPr lvl="1"/>
-            <a:r>
-              <a:rPr lang="pt-BR" b="1" dirty="0" err="1" smtClean="0"/>
-              <a:t>addAll</a:t>
-            </a:r>
-            <a:r>
-              <a:rPr lang="pt-BR" b="1" dirty="0" smtClean="0"/>
-              <a:t>(Collection): </a:t>
-            </a:r>
-            <a:r>
-              <a:rPr lang="pt-BR" dirty="0" smtClean="0"/>
-              <a:t>Adiciona todos os itens da coleção passada como parâmetro na coleção destino</a:t>
-            </a:r>
-          </a:p>
-          <a:p>
-            <a:pPr lvl="1"/>
-            <a:r>
-              <a:rPr lang="pt-BR" b="1" dirty="0" err="1" smtClean="0"/>
-              <a:t>removeAll</a:t>
-            </a:r>
-            <a:r>
-              <a:rPr lang="pt-BR" b="1" dirty="0" smtClean="0"/>
-              <a:t>(Collection</a:t>
-            </a:r>
-            <a:r>
-              <a:rPr lang="pt-BR" b="1" dirty="0" smtClean="0"/>
-              <a:t>): </a:t>
-            </a:r>
-            <a:r>
-              <a:rPr lang="pt-BR" dirty="0" smtClean="0"/>
-              <a:t>Remove </a:t>
-            </a:r>
-            <a:r>
-              <a:rPr lang="pt-BR" dirty="0" smtClean="0"/>
-              <a:t>todos os itens da coleção passada como parâmetro na coleção </a:t>
-            </a:r>
-            <a:r>
-              <a:rPr lang="pt-BR" dirty="0" smtClean="0"/>
-              <a:t>destino</a:t>
-            </a:r>
-          </a:p>
-          <a:p>
-            <a:pPr lvl="1"/>
-            <a:r>
-              <a:rPr lang="pt-BR" b="1" dirty="0" err="1" smtClean="0"/>
-              <a:t>clear</a:t>
-            </a:r>
-            <a:r>
-              <a:rPr lang="pt-BR" b="1" dirty="0" smtClean="0"/>
-              <a:t>(): </a:t>
-            </a:r>
-            <a:r>
-              <a:rPr lang="pt-BR" dirty="0" smtClean="0"/>
-              <a:t>Remove todos os itens da coleção</a:t>
-            </a:r>
-          </a:p>
-        </p:txBody>
-      </p:sp>
-    </p:spTree>
-  </p:cSld>
-  <p:clrMapOvr>
-    <a:masterClrMapping/>
-  </p:clrMapOvr>
-  <p:timing>
-    <p:tnLst>
-      <p:par>
-        <p:cTn id="1" dur="indefinite" restart="never" nodeType="tmRoot"/>
-      </p:par>
-    </p:tnLst>
-  </p:timing>
-</p:sld>
-</file>
-
 <file path=ppt/slides/slide14.xml><?xml version="1.0" encoding="utf-8"?>
 <p:sld xmlns:a="http://schemas.openxmlformats.org/drawingml/2006/main" xmlns:r="http://schemas.openxmlformats.org/officeDocument/2006/relationships" xmlns:p="http://schemas.openxmlformats.org/presentationml/2006/main">
   <p:cSld>
@@ -6833,13 +7424,21 @@
         <p:spPr/>
         <p:txBody>
           <a:bodyPr>
-            <a:normAutofit/>
+            <a:normAutofit fontScale="92500"/>
           </a:bodyPr>
           <a:lstStyle/>
           <a:p>
             <a:r>
               <a:rPr lang="pt-BR" dirty="0" smtClean="0"/>
-              <a:t>“Collection” Interface (Array </a:t>
+              <a:t>“Collection” Interface (</a:t>
+            </a:r>
+            <a:r>
+              <a:rPr lang="pt-BR" dirty="0" err="1" smtClean="0"/>
+              <a:t>Bulk</a:t>
+            </a:r>
+            <a:r>
+              <a:rPr lang="pt-BR" dirty="0" smtClean="0"/>
+              <a:t> </a:t>
             </a:r>
             <a:r>
               <a:rPr lang="pt-BR" dirty="0" err="1" smtClean="0"/>
@@ -6854,39 +7453,65 @@
             <a:pPr lvl="1"/>
             <a:r>
               <a:rPr lang="pt-BR" b="1" dirty="0" err="1" smtClean="0"/>
-              <a:t>toArray</a:t>
+              <a:t>containsAll</a:t>
             </a:r>
             <a:r>
               <a:rPr lang="pt-BR" b="1" dirty="0" smtClean="0"/>
-              <a:t>()</a:t>
-            </a:r>
-          </a:p>
-          <a:p>
-            <a:pPr lvl="2"/>
-            <a:r>
-              <a:rPr lang="pt-BR" dirty="0" smtClean="0"/>
-              <a:t>Cria um array formado com os itens da coleção</a:t>
-            </a:r>
-          </a:p>
-          <a:p>
-            <a:pPr lvl="2"/>
-            <a:r>
-              <a:rPr lang="pt-BR" dirty="0" smtClean="0"/>
-              <a:t>Permite compatibilidade com </a:t>
+              <a:t>(Collection): </a:t>
             </a:r>
             <a:r>
               <a:rPr lang="pt-BR" dirty="0" err="1" smtClean="0"/>
-              <a:t>API’s</a:t>
-            </a:r>
-            <a:r>
-              <a:rPr lang="pt-BR" dirty="0" smtClean="0"/>
-              <a:t> antigas que trabalham apenas com </a:t>
-            </a:r>
-            <a:r>
-              <a:rPr lang="pt-BR" dirty="0" err="1" smtClean="0"/>
-              <a:t>arrays</a:t>
-            </a:r>
-            <a:endParaRPr lang="pt-BR" dirty="0" smtClean="0"/>
+              <a:t>true</a:t>
+            </a:r>
+            <a:r>
+              <a:rPr lang="pt-BR" dirty="0" smtClean="0"/>
+              <a:t> indica que a coleção contém todos os itens da coleção passada como parâmetros</a:t>
+            </a:r>
+          </a:p>
+          <a:p>
+            <a:pPr lvl="1"/>
+            <a:r>
+              <a:rPr lang="pt-BR" b="1" dirty="0" err="1" smtClean="0"/>
+              <a:t>addAll</a:t>
+            </a:r>
+            <a:r>
+              <a:rPr lang="pt-BR" b="1" dirty="0" smtClean="0"/>
+              <a:t>(Collection): </a:t>
+            </a:r>
+            <a:r>
+              <a:rPr lang="pt-BR" dirty="0" smtClean="0"/>
+              <a:t>Adiciona todos os itens da coleção passada como parâmetro na coleção destino</a:t>
+            </a:r>
+          </a:p>
+          <a:p>
+            <a:pPr lvl="1"/>
+            <a:r>
+              <a:rPr lang="pt-BR" b="1" dirty="0" err="1" smtClean="0"/>
+              <a:t>removeAll</a:t>
+            </a:r>
+            <a:r>
+              <a:rPr lang="pt-BR" b="1" dirty="0" smtClean="0"/>
+              <a:t>(Collection): </a:t>
+            </a:r>
+            <a:r>
+              <a:rPr lang="pt-BR" dirty="0" smtClean="0"/>
+              <a:t>Remove todos os itens da coleção passada como parâmetro na coleção destino</a:t>
+            </a:r>
+          </a:p>
+          <a:p>
+            <a:pPr lvl="1"/>
+            <a:r>
+              <a:rPr lang="pt-BR" b="1" dirty="0" err="1" smtClean="0"/>
+              <a:t>clear</a:t>
+            </a:r>
+            <a:r>
+              <a:rPr lang="pt-BR" b="1" dirty="0" smtClean="0"/>
+              <a:t>(): </a:t>
+            </a:r>
+            <a:r>
+              <a:rPr lang="pt-BR" dirty="0" smtClean="0"/>
+              <a:t>Remove todos os itens da coleção</a:t>
+            </a:r>
           </a:p>
         </p:txBody>
       </p:sp>
@@ -6958,71 +7583,58 @@
         <p:spPr/>
         <p:txBody>
           <a:bodyPr>
-            <a:normAutofit lnSpcReduction="10000"/>
+            <a:normAutofit/>
           </a:bodyPr>
           <a:lstStyle/>
           <a:p>
             <a:r>
               <a:rPr lang="pt-BR" dirty="0" smtClean="0"/>
-              <a:t>“Set” Interface</a:t>
+              <a:t>“Collection” Interface (Array </a:t>
+            </a:r>
+            <a:r>
+              <a:rPr lang="pt-BR" dirty="0" err="1" smtClean="0"/>
+              <a:t>Operations</a:t>
+            </a:r>
+            <a:r>
+              <a:rPr lang="pt-BR" dirty="0" smtClean="0"/>
+              <a:t>)</a:t>
             </a:r>
           </a:p>
           <a:p>
             <a:pPr lvl="1"/>
             <a:r>
-              <a:rPr lang="pt-BR" dirty="0" smtClean="0"/>
-              <a:t>Representa uma coleção que NÃO permite itens duplicados</a:t>
-            </a:r>
-          </a:p>
-          <a:p>
-            <a:pPr lvl="1"/>
-            <a:r>
-              <a:rPr lang="pt-BR" dirty="0" smtClean="0"/>
-              <a:t>Duplicado</a:t>
+              <a:rPr lang="pt-BR" b="1" dirty="0" err="1" smtClean="0"/>
+              <a:t>toArray</a:t>
+            </a:r>
+            <a:r>
+              <a:rPr lang="pt-BR" b="1" dirty="0" smtClean="0"/>
+              <a:t>()</a:t>
             </a:r>
           </a:p>
           <a:p>
             <a:pPr lvl="2"/>
             <a:r>
               <a:rPr lang="pt-BR" dirty="0" smtClean="0"/>
-              <a:t>Dois elementos são considerados iguais em acordo com os métodos equals() e </a:t>
+              <a:t>Cria um array formado com os itens da coleção</a:t>
+            </a:r>
+          </a:p>
+          <a:p>
+            <a:pPr lvl="2"/>
+            <a:r>
+              <a:rPr lang="pt-BR" dirty="0" smtClean="0"/>
+              <a:t>Permite compatibilidade com </a:t>
             </a:r>
             <a:r>
               <a:rPr lang="pt-BR" dirty="0" err="1" smtClean="0"/>
-              <a:t>hasCode</a:t>
-            </a:r>
-            <a:r>
-              <a:rPr lang="pt-BR" dirty="0" smtClean="0"/>
-              <a:t>()</a:t>
-            </a:r>
-          </a:p>
-          <a:p>
-            <a:pPr lvl="1"/>
-            <a:r>
-              <a:rPr lang="pt-BR" dirty="0" smtClean="0"/>
-              <a:t>Classes Concretas</a:t>
-            </a:r>
-          </a:p>
-          <a:p>
-            <a:pPr lvl="2"/>
+              <a:t>API’s</a:t>
+            </a:r>
+            <a:r>
+              <a:rPr lang="pt-BR" dirty="0" smtClean="0"/>
+              <a:t> antigas que trabalham apenas com </a:t>
+            </a:r>
             <a:r>
               <a:rPr lang="pt-BR" dirty="0" err="1" smtClean="0"/>
-              <a:t>HasSet</a:t>
-            </a:r>
-            <a:endParaRPr lang="pt-BR" dirty="0" smtClean="0"/>
-          </a:p>
-          <a:p>
-            <a:pPr lvl="2"/>
-            <a:r>
-              <a:rPr lang="pt-BR" dirty="0" smtClean="0"/>
-              <a:t>TreeSet</a:t>
-            </a:r>
-          </a:p>
-          <a:p>
-            <a:pPr lvl="2"/>
-            <a:r>
-              <a:rPr lang="pt-BR" dirty="0" err="1" smtClean="0"/>
-              <a:t>LinkedHashSet</a:t>
+              <a:t>arrays</a:t>
             </a:r>
             <a:endParaRPr lang="pt-BR" dirty="0" smtClean="0"/>
           </a:p>
@@ -7096,42 +7708,71 @@
         <p:spPr/>
         <p:txBody>
           <a:bodyPr>
-            <a:normAutofit/>
+            <a:normAutofit lnSpcReduction="10000"/>
           </a:bodyPr>
           <a:lstStyle/>
           <a:p>
             <a:r>
               <a:rPr lang="pt-BR" dirty="0" smtClean="0"/>
-              <a:t>Classe HashSet</a:t>
+              <a:t>“Set” Interface</a:t>
+            </a:r>
+          </a:p>
+          <a:p>
+            <a:pPr lvl="1"/>
+            <a:r>
+              <a:rPr lang="pt-BR" dirty="0" smtClean="0"/>
+              <a:t>Representa uma coleção que NÃO permite itens duplicados</a:t>
+            </a:r>
+          </a:p>
+          <a:p>
+            <a:pPr lvl="1"/>
+            <a:r>
+              <a:rPr lang="pt-BR" dirty="0" smtClean="0"/>
+              <a:t>Duplicado</a:t>
+            </a:r>
+          </a:p>
+          <a:p>
+            <a:pPr lvl="2"/>
+            <a:r>
+              <a:rPr lang="pt-BR" dirty="0" smtClean="0"/>
+              <a:t>Dois elementos são considerados iguais em acordo com os métodos equals() e </a:t>
+            </a:r>
+            <a:r>
+              <a:rPr lang="pt-BR" dirty="0" err="1" smtClean="0"/>
+              <a:t>hashCode</a:t>
+            </a:r>
+            <a:r>
+              <a:rPr lang="pt-BR" dirty="0" smtClean="0"/>
+              <a:t>()</a:t>
+            </a:r>
+          </a:p>
+          <a:p>
+            <a:pPr lvl="1"/>
+            <a:r>
+              <a:rPr lang="pt-BR" dirty="0" smtClean="0"/>
+              <a:t>Classes Concretas</a:t>
+            </a:r>
+          </a:p>
+          <a:p>
+            <a:pPr lvl="2"/>
+            <a:r>
+              <a:rPr lang="pt-BR" dirty="0" smtClean="0"/>
+              <a:t>HashSet</a:t>
             </a:r>
             <a:endParaRPr lang="pt-BR" dirty="0" smtClean="0"/>
           </a:p>
           <a:p>
-            <a:pPr lvl="1"/>
-            <a:r>
-              <a:rPr lang="pt-BR" dirty="0" smtClean="0"/>
-              <a:t>Mais rápido do que TreeSet, mas não garante ORDEM</a:t>
-            </a:r>
-          </a:p>
-          <a:p>
-            <a:pPr lvl="1"/>
-            <a:r>
-              <a:rPr lang="pt-BR" dirty="0" smtClean="0"/>
-              <a:t>Oferece tempo de performance constante para as operações básicas</a:t>
-            </a:r>
-          </a:p>
-          <a:p>
             <a:pPr lvl="2"/>
             <a:r>
               <a:rPr lang="pt-BR" dirty="0" smtClean="0"/>
-              <a:t>add, remove, contains e size</a:t>
-            </a:r>
-          </a:p>
-          <a:p>
-            <a:pPr lvl="1"/>
-            <a:r>
-              <a:rPr lang="pt-BR" dirty="0" smtClean="0"/>
-              <a:t>Implementação de Set mais comumente utilizada</a:t>
+              <a:t>TreeSet</a:t>
+            </a:r>
+          </a:p>
+          <a:p>
+            <a:pPr lvl="2"/>
+            <a:r>
+              <a:rPr lang="pt-BR" dirty="0" err="1" smtClean="0"/>
+              <a:t>LinkedHashSet</a:t>
             </a:r>
             <a:endParaRPr lang="pt-BR" dirty="0" smtClean="0"/>
           </a:p>
@@ -7211,64 +7852,35 @@
           <a:p>
             <a:r>
               <a:rPr lang="pt-BR" dirty="0" smtClean="0"/>
-              <a:t>Interface SortedSet</a:t>
-            </a:r>
-            <a:endParaRPr lang="pt-BR" dirty="0" smtClean="0"/>
+              <a:t>Classe HashSet</a:t>
+            </a:r>
           </a:p>
           <a:p>
             <a:pPr lvl="1"/>
             <a:r>
               <a:rPr lang="pt-BR" dirty="0" smtClean="0"/>
-              <a:t>Define estrutura para manter dados numa determinada ordenação (</a:t>
-            </a:r>
-            <a:r>
-              <a:rPr lang="pt-BR" dirty="0" err="1" smtClean="0"/>
-              <a:t>sorted</a:t>
-            </a:r>
-            <a:r>
-              <a:rPr lang="pt-BR" dirty="0" smtClean="0"/>
-              <a:t>)</a:t>
+              <a:t>Mais rápido do que TreeSet, mas não garante ORDEM</a:t>
+            </a:r>
+          </a:p>
+          <a:p>
+            <a:pPr lvl="1"/>
+            <a:r>
+              <a:rPr lang="pt-BR" dirty="0" smtClean="0"/>
+              <a:t>Oferece tempo de performance constante para as operações básicas</a:t>
             </a:r>
           </a:p>
           <a:p>
             <a:pPr lvl="2"/>
             <a:r>
-              <a:rPr lang="pt-BR" dirty="0" err="1" smtClean="0"/>
-              <a:t>comparator</a:t>
-            </a:r>
-            <a:r>
-              <a:rPr lang="pt-BR" dirty="0" smtClean="0"/>
-              <a:t>(): Retorna objeto </a:t>
-            </a:r>
-            <a:r>
-              <a:rPr lang="pt-BR" dirty="0" err="1" smtClean="0"/>
-              <a:t>comparator</a:t>
-            </a:r>
-            <a:r>
-              <a:rPr lang="pt-BR" dirty="0" smtClean="0"/>
-              <a:t> utilizado para definir semântica de ordenação</a:t>
-            </a:r>
-          </a:p>
-          <a:p>
-            <a:pPr lvl="2"/>
-            <a:r>
-              <a:rPr lang="pt-BR" dirty="0" err="1" smtClean="0"/>
-              <a:t>first</a:t>
-            </a:r>
-            <a:r>
-              <a:rPr lang="pt-BR" dirty="0" smtClean="0"/>
-              <a:t>(): Retorna o primeiro elemento</a:t>
-            </a:r>
-          </a:p>
-          <a:p>
-            <a:pPr lvl="2"/>
-            <a:r>
-              <a:rPr lang="pt-BR" dirty="0" err="1" smtClean="0"/>
-              <a:t>last</a:t>
-            </a:r>
-            <a:r>
-              <a:rPr lang="pt-BR" dirty="0" smtClean="0"/>
-              <a:t>(): Retorna o último elemento</a:t>
+              <a:rPr lang="pt-BR" dirty="0" smtClean="0"/>
+              <a:t>add, remove, contains e size</a:t>
+            </a:r>
+          </a:p>
+          <a:p>
+            <a:pPr lvl="1"/>
+            <a:r>
+              <a:rPr lang="pt-BR" dirty="0" smtClean="0"/>
+              <a:t>Implementação de Set mais comumente utilizada</a:t>
             </a:r>
           </a:p>
         </p:txBody>
@@ -7347,42 +7959,63 @@
           <a:p>
             <a:r>
               <a:rPr lang="pt-BR" dirty="0" smtClean="0"/>
-              <a:t>Ordem Natural</a:t>
-            </a:r>
-            <a:endParaRPr lang="pt-BR" dirty="0" smtClean="0"/>
+              <a:t>Interface SortedSet</a:t>
+            </a:r>
           </a:p>
           <a:p>
             <a:pPr lvl="1"/>
             <a:r>
               <a:rPr lang="pt-BR" dirty="0" smtClean="0"/>
-              <a:t>Definido pela interface </a:t>
-            </a:r>
-            <a:r>
-              <a:rPr lang="pt-BR" i="1" dirty="0" smtClean="0"/>
-              <a:t>Comparable</a:t>
-            </a:r>
-            <a:endParaRPr lang="pt-BR" dirty="0" smtClean="0"/>
-          </a:p>
-          <a:p>
-            <a:pPr lvl="1"/>
-            <a:r>
-              <a:rPr lang="pt-BR" dirty="0" smtClean="0"/>
-              <a:t>Exemplos de classes que implementam Comparable</a:t>
+              <a:t>Define estrutura para manter dados numa determinada ordenação (</a:t>
+            </a:r>
+            <a:r>
+              <a:rPr lang="pt-BR" dirty="0" err="1" smtClean="0"/>
+              <a:t>sorted</a:t>
+            </a:r>
+            <a:r>
+              <a:rPr lang="pt-BR" dirty="0" smtClean="0"/>
+              <a:t>)</a:t>
             </a:r>
           </a:p>
           <a:p>
             <a:pPr lvl="2"/>
             <a:r>
-              <a:rPr lang="pt-BR" dirty="0" smtClean="0"/>
-              <a:t>String (ordem alfabética), Date (ordem cronológica), </a:t>
-            </a:r>
-            <a:r>
               <a:rPr lang="pt-BR" dirty="0" err="1" smtClean="0"/>
-              <a:t>Integer</a:t>
-            </a:r>
-            <a:r>
-              <a:rPr lang="pt-BR" dirty="0" smtClean="0"/>
-              <a:t> (ordem numérica), ...</a:t>
+              <a:t>comparator</a:t>
+            </a:r>
+            <a:r>
+              <a:rPr lang="pt-BR" dirty="0" smtClean="0"/>
+              <a:t>(): Retorna objeto </a:t>
+            </a:r>
+            <a:r>
+              <a:rPr lang="pt-BR" dirty="0" err="1" smtClean="0"/>
+              <a:t>comparator</a:t>
+            </a:r>
+            <a:r>
+              <a:rPr lang="pt-BR" dirty="0" smtClean="0"/>
+              <a:t> utilizado para definir semântica de ordenação</a:t>
+            </a:r>
+          </a:p>
+          <a:p>
+            <a:pPr lvl="2"/>
+            <a:r>
+              <a:rPr lang="pt-BR" dirty="0" err="1" smtClean="0"/>
+              <a:t>first</a:t>
+            </a:r>
+            <a:r>
+              <a:rPr lang="pt-BR" dirty="0" smtClean="0"/>
+              <a:t>(): Retorna o primeiro elemento</a:t>
+            </a:r>
+          </a:p>
+          <a:p>
+            <a:pPr lvl="2"/>
+            <a:r>
+              <a:rPr lang="pt-BR" dirty="0" err="1" smtClean="0"/>
+              <a:t>last</a:t>
+            </a:r>
+            <a:r>
+              <a:rPr lang="pt-BR" dirty="0" smtClean="0"/>
+              <a:t>(): Retorna o último elemento</a:t>
             </a:r>
           </a:p>
         </p:txBody>
@@ -7461,7 +8094,18 @@
           <a:p>
             <a:r>
               <a:rPr lang="pt-BR" dirty="0" smtClean="0"/>
-              <a:t>Classe TreeSet</a:t>
+              <a:t>Ordem Natural</a:t>
+            </a:r>
+          </a:p>
+          <a:p>
+            <a:pPr lvl="1"/>
+            <a:r>
+              <a:rPr lang="pt-BR" dirty="0" smtClean="0"/>
+              <a:t>Definido pela interface </a:t>
+            </a:r>
+            <a:r>
+              <a:rPr lang="pt-BR" i="1" dirty="0" smtClean="0"/>
+              <a:t>Comparable</a:t>
             </a:r>
             <a:endParaRPr lang="pt-BR" dirty="0" smtClean="0"/>
           </a:p>
@@ -7469,22 +8113,45 @@
             <a:pPr lvl="1"/>
             <a:r>
               <a:rPr lang="pt-BR" dirty="0" smtClean="0"/>
-              <a:t>Implementa a interface SortedSet</a:t>
+              <a:t>Exemplos de classes que implementam Comparable</a:t>
+            </a:r>
+          </a:p>
+          <a:p>
+            <a:pPr lvl="2"/>
+            <a:r>
+              <a:rPr lang="pt-BR" dirty="0" smtClean="0"/>
+              <a:t>String (ordem alfabética), Date (ordem cronológica), </a:t>
+            </a:r>
+            <a:r>
+              <a:rPr lang="pt-BR" dirty="0" err="1" smtClean="0"/>
+              <a:t>Integer</a:t>
+            </a:r>
+            <a:r>
+              <a:rPr lang="pt-BR" dirty="0" smtClean="0"/>
+              <a:t> (ordem numérica), </a:t>
+            </a:r>
+            <a:r>
+              <a:rPr lang="pt-BR" dirty="0" smtClean="0"/>
+              <a:t>...</a:t>
             </a:r>
           </a:p>
           <a:p>
             <a:pPr lvl="1"/>
             <a:r>
               <a:rPr lang="pt-BR" dirty="0" smtClean="0"/>
-              <a:t>Mantém uma semântica de ordenação (Comparable, </a:t>
-            </a:r>
-            <a:r>
-              <a:rPr lang="pt-BR" dirty="0" err="1" smtClean="0"/>
+              <a:t>Interface </a:t>
+            </a:r>
+            <a:r>
+              <a:rPr lang="pt-BR" i="1" dirty="0" err="1" smtClean="0"/>
               <a:t>Comparator</a:t>
             </a:r>
-            <a:r>
-              <a:rPr lang="pt-BR" dirty="0" smtClean="0"/>
-              <a:t>)</a:t>
+            <a:endParaRPr lang="pt-BR" i="1" dirty="0" smtClean="0"/>
+          </a:p>
+          <a:p>
+            <a:pPr lvl="2"/>
+            <a:r>
+              <a:rPr lang="pt-BR" dirty="0" smtClean="0"/>
+              <a:t>Pode ser passado para classes do Framework capazes de definirem semânticas de ordenação</a:t>
             </a:r>
             <a:endParaRPr lang="pt-BR" dirty="0" smtClean="0"/>
           </a:p>
@@ -7580,7 +8247,6 @@
               <a:rPr lang="pt-BR" dirty="0" smtClean="0"/>
               <a:t>Framework Collection</a:t>
             </a:r>
-            <a:endParaRPr lang="pt-BR" dirty="0" smtClean="0"/>
           </a:p>
         </p:txBody>
       </p:sp>
@@ -7658,34 +8324,29 @@
           <a:p>
             <a:r>
               <a:rPr lang="pt-BR" dirty="0" smtClean="0"/>
-              <a:t>Classe </a:t>
+              <a:t>Classe TreeSet</a:t>
+            </a:r>
+          </a:p>
+          <a:p>
+            <a:pPr lvl="1"/>
+            <a:r>
+              <a:rPr lang="pt-BR" dirty="0" smtClean="0"/>
+              <a:t>Implementa a interface SortedSet</a:t>
+            </a:r>
+          </a:p>
+          <a:p>
+            <a:pPr lvl="1"/>
+            <a:r>
+              <a:rPr lang="pt-BR" dirty="0" smtClean="0"/>
+              <a:t>Mantém uma semântica de ordenação (Comparable, </a:t>
             </a:r>
             <a:r>
               <a:rPr lang="pt-BR" dirty="0" err="1" smtClean="0"/>
-              <a:t>LinkedHashSet</a:t>
-            </a:r>
-            <a:endParaRPr lang="pt-BR" dirty="0" smtClean="0"/>
-          </a:p>
-          <a:p>
-            <a:pPr lvl="1"/>
-            <a:r>
-              <a:rPr lang="pt-BR" dirty="0" smtClean="0"/>
-              <a:t>Implementado como uma tabela </a:t>
-            </a:r>
-            <a:r>
-              <a:rPr lang="pt-BR" dirty="0" err="1" smtClean="0"/>
-              <a:t>hash</a:t>
-            </a:r>
-            <a:r>
-              <a:rPr lang="pt-BR" dirty="0" smtClean="0"/>
-              <a:t> com lista encadeada</a:t>
-            </a:r>
-          </a:p>
-          <a:p>
-            <a:pPr lvl="1"/>
-            <a:r>
-              <a:rPr lang="pt-BR" dirty="0" smtClean="0"/>
-              <a:t>Mantém a ordem de inclusão dos itens e executa com velocidade aproximada ao do HashSet</a:t>
+              <a:t>Comparator</a:t>
+            </a:r>
+            <a:r>
+              <a:rPr lang="pt-BR" dirty="0" smtClean="0"/>
+              <a:t>)</a:t>
             </a:r>
           </a:p>
         </p:txBody>
@@ -7764,30 +8425,34 @@
           <a:p>
             <a:r>
               <a:rPr lang="pt-BR" dirty="0" smtClean="0"/>
-              <a:t>Sincronização de Coleções</a:t>
-            </a:r>
-            <a:endParaRPr lang="pt-BR" dirty="0" smtClean="0"/>
-          </a:p>
-          <a:p>
-            <a:pPr lvl="1"/>
-            <a:r>
-              <a:rPr lang="pt-BR" dirty="0" smtClean="0"/>
-              <a:t>Coleções sincronizadas são aquelas que podem ser processadas por múltiplas Threads (acesso concorrente)</a:t>
-            </a:r>
-          </a:p>
-          <a:p>
-            <a:pPr lvl="1"/>
-            <a:r>
-              <a:rPr lang="pt-BR" dirty="0" smtClean="0"/>
-              <a:t>HashSet, </a:t>
+              <a:t>Classe </a:t>
             </a:r>
             <a:r>
               <a:rPr lang="pt-BR" dirty="0" err="1" smtClean="0"/>
               <a:t>LinkedHashSet</a:t>
             </a:r>
-            <a:r>
-              <a:rPr lang="pt-BR" dirty="0" smtClean="0"/>
-              <a:t> e TreeSet NÃO são sincronizadas</a:t>
+            <a:endParaRPr lang="pt-BR" dirty="0" smtClean="0"/>
+          </a:p>
+          <a:p>
+            <a:pPr lvl="1"/>
+            <a:r>
+              <a:rPr lang="pt-BR" dirty="0" smtClean="0"/>
+              <a:t>Implementado como uma tabela </a:t>
+            </a:r>
+            <a:r>
+              <a:rPr lang="pt-BR" dirty="0" err="1" smtClean="0"/>
+              <a:t>hash</a:t>
+            </a:r>
+            <a:r>
+              <a:rPr lang="pt-BR" dirty="0" smtClean="0"/>
+              <a:t> com lista encadeada</a:t>
+            </a:r>
+          </a:p>
+          <a:p>
+            <a:pPr lvl="1"/>
+            <a:r>
+              <a:rPr lang="pt-BR" dirty="0" smtClean="0"/>
+              <a:t>Mantém a ordem de inclusão dos itens e executa com velocidade aproximada ao do HashSet</a:t>
             </a:r>
           </a:p>
         </p:txBody>
@@ -7868,7 +8533,107 @@
               <a:rPr lang="pt-BR" dirty="0" smtClean="0"/>
               <a:t>Sincronização de Coleções</a:t>
             </a:r>
-            <a:endParaRPr lang="pt-BR" dirty="0" smtClean="0"/>
+          </a:p>
+          <a:p>
+            <a:pPr lvl="1"/>
+            <a:r>
+              <a:rPr lang="pt-BR" dirty="0" smtClean="0"/>
+              <a:t>Coleções sincronizadas são aquelas que podem ser processadas por múltiplas Threads (acesso concorrente)</a:t>
+            </a:r>
+          </a:p>
+          <a:p>
+            <a:pPr lvl="1"/>
+            <a:r>
+              <a:rPr lang="pt-BR" dirty="0" smtClean="0"/>
+              <a:t>HashSet, </a:t>
+            </a:r>
+            <a:r>
+              <a:rPr lang="pt-BR" dirty="0" err="1" smtClean="0"/>
+              <a:t>LinkedHashSet</a:t>
+            </a:r>
+            <a:r>
+              <a:rPr lang="pt-BR" dirty="0" smtClean="0"/>
+              <a:t> e TreeSet NÃO são sincronizadas</a:t>
+            </a:r>
+          </a:p>
+        </p:txBody>
+      </p:sp>
+    </p:spTree>
+  </p:cSld>
+  <p:clrMapOvr>
+    <a:masterClrMapping/>
+  </p:clrMapOvr>
+  <p:timing>
+    <p:tnLst>
+      <p:par>
+        <p:cTn id="1" dur="indefinite" restart="never" nodeType="tmRoot"/>
+      </p:par>
+    </p:tnLst>
+  </p:timing>
+</p:sld>
+</file>
+
+<file path=ppt/slides/slide23.xml><?xml version="1.0" encoding="utf-8"?>
+<p:sld xmlns:a="http://schemas.openxmlformats.org/drawingml/2006/main" xmlns:r="http://schemas.openxmlformats.org/officeDocument/2006/relationships" xmlns:p="http://schemas.openxmlformats.org/presentationml/2006/main">
+  <p:cSld>
+    <p:spTree>
+      <p:nvGrpSpPr>
+        <p:cNvPr id="1" name=""/>
+        <p:cNvGrpSpPr/>
+        <p:nvPr/>
+      </p:nvGrpSpPr>
+      <p:grpSpPr>
+        <a:xfrm>
+          <a:off x="0" y="0"/>
+          <a:ext cx="0" cy="0"/>
+          <a:chOff x="0" y="0"/>
+          <a:chExt cx="0" cy="0"/>
+        </a:xfrm>
+      </p:grpSpPr>
+      <p:sp>
+        <p:nvSpPr>
+          <p:cNvPr id="2" name="Título 1"/>
+          <p:cNvSpPr>
+            <a:spLocks noGrp="1"/>
+          </p:cNvSpPr>
+          <p:nvPr>
+            <p:ph type="title"/>
+          </p:nvPr>
+        </p:nvSpPr>
+        <p:spPr/>
+        <p:txBody>
+          <a:bodyPr/>
+          <a:lstStyle/>
+          <a:p>
+            <a:r>
+              <a:rPr lang="pt-BR" dirty="0" smtClean="0"/>
+              <a:t>Framework Collection</a:t>
+            </a:r>
+            <a:endParaRPr lang="pt-BR" dirty="0"/>
+          </a:p>
+        </p:txBody>
+      </p:sp>
+      <p:sp>
+        <p:nvSpPr>
+          <p:cNvPr id="3" name="Espaço Reservado para Conteúdo 2"/>
+          <p:cNvSpPr>
+            <a:spLocks noGrp="1"/>
+          </p:cNvSpPr>
+          <p:nvPr>
+            <p:ph idx="1"/>
+          </p:nvPr>
+        </p:nvSpPr>
+        <p:spPr/>
+        <p:txBody>
+          <a:bodyPr>
+            <a:normAutofit/>
+          </a:bodyPr>
+          <a:lstStyle/>
+          <a:p>
+            <a:r>
+              <a:rPr lang="pt-BR" dirty="0" smtClean="0"/>
+              <a:t>Sincronização de Coleções</a:t>
+            </a:r>
           </a:p>
         </p:txBody>
       </p:sp>
@@ -7919,7 +8684,7 @@
 </p:sld>
 </file>
 
-<file path=ppt/slides/slide23.xml><?xml version="1.0" encoding="utf-8"?>
+<file path=ppt/slides/slide24.xml><?xml version="1.0" encoding="utf-8"?>
 <p:sld xmlns:a="http://schemas.openxmlformats.org/drawingml/2006/main" xmlns:r="http://schemas.openxmlformats.org/officeDocument/2006/relationships" xmlns:p="http://schemas.openxmlformats.org/presentationml/2006/main">
   <p:cSld>
     <p:spTree>
@@ -7978,15 +8743,7 @@
           <a:p>
             <a:r>
               <a:rPr lang="pt-BR" dirty="0" smtClean="0"/>
-              <a:t>“</a:t>
-            </a:r>
-            <a:r>
-              <a:rPr lang="pt-BR" dirty="0" err="1" smtClean="0"/>
-              <a:t>List</a:t>
-            </a:r>
-            <a:r>
-              <a:rPr lang="pt-BR" dirty="0" smtClean="0"/>
-              <a:t>” Interface</a:t>
+              <a:t>“List” Interface</a:t>
             </a:r>
           </a:p>
           <a:p>
@@ -8021,11 +8778,7 @@
             <a:pPr lvl="2"/>
             <a:r>
               <a:rPr lang="pt-BR" dirty="0" smtClean="0"/>
-              <a:t>Pesquisa (search) retornand</a:t>
-            </a:r>
-            <a:r>
-              <a:rPr lang="pt-BR" dirty="0" smtClean="0"/>
-              <a:t>o a posição</a:t>
+              <a:t>Pesquisa (search) retornando a posição</a:t>
             </a:r>
           </a:p>
           <a:p>
@@ -8079,7 +8832,7 @@
 </p:sld>
 </file>
 
-<file path=ppt/slides/slide24.xml><?xml version="1.0" encoding="utf-8"?>
+<file path=ppt/slides/slide25.xml><?xml version="1.0" encoding="utf-8"?>
 <p:sld xmlns:a="http://schemas.openxmlformats.org/drawingml/2006/main" xmlns:r="http://schemas.openxmlformats.org/officeDocument/2006/relationships" xmlns:p="http://schemas.openxmlformats.org/presentationml/2006/main">
   <p:cSld>
     <p:spTree>
@@ -8166,6 +8919,481 @@
 </p:sld>
 </file>
 
+<file path=ppt/slides/slide26.xml><?xml version="1.0" encoding="utf-8"?>
+<p:sld xmlns:a="http://schemas.openxmlformats.org/drawingml/2006/main" xmlns:r="http://schemas.openxmlformats.org/officeDocument/2006/relationships" xmlns:p="http://schemas.openxmlformats.org/presentationml/2006/main">
+  <p:cSld>
+    <p:spTree>
+      <p:nvGrpSpPr>
+        <p:cNvPr id="1" name=""/>
+        <p:cNvGrpSpPr/>
+        <p:nvPr/>
+      </p:nvGrpSpPr>
+      <p:grpSpPr>
+        <a:xfrm>
+          <a:off x="0" y="0"/>
+          <a:ext cx="0" cy="0"/>
+          <a:chOff x="0" y="0"/>
+          <a:chExt cx="0" cy="0"/>
+        </a:xfrm>
+      </p:grpSpPr>
+      <p:sp>
+        <p:nvSpPr>
+          <p:cNvPr id="2" name="Título 1"/>
+          <p:cNvSpPr>
+            <a:spLocks noGrp="1"/>
+          </p:cNvSpPr>
+          <p:nvPr>
+            <p:ph type="title"/>
+          </p:nvPr>
+        </p:nvSpPr>
+        <p:spPr/>
+        <p:txBody>
+          <a:bodyPr/>
+          <a:lstStyle/>
+          <a:p>
+            <a:r>
+              <a:rPr lang="pt-BR" dirty="0" smtClean="0"/>
+              <a:t>Framework Collection</a:t>
+            </a:r>
+            <a:endParaRPr lang="pt-BR" dirty="0"/>
+          </a:p>
+        </p:txBody>
+      </p:sp>
+      <p:pic>
+        <p:nvPicPr>
+          <p:cNvPr id="1026" name="Picture 2"/>
+          <p:cNvPicPr>
+            <a:picLocks noChangeAspect="1" noChangeArrowheads="1"/>
+          </p:cNvPicPr>
+          <p:nvPr/>
+        </p:nvPicPr>
+        <p:blipFill>
+          <a:blip r:embed="rId3" cstate="print"/>
+          <a:srcRect/>
+          <a:stretch>
+            <a:fillRect/>
+          </a:stretch>
+        </p:blipFill>
+        <p:spPr bwMode="auto">
+          <a:xfrm>
+            <a:off x="323528" y="2276872"/>
+            <a:ext cx="8438415" cy="3578894"/>
+          </a:xfrm>
+          <a:prstGeom prst="rect">
+            <a:avLst/>
+          </a:prstGeom>
+          <a:noFill/>
+          <a:ln w="9525">
+            <a:noFill/>
+            <a:miter lim="800000"/>
+            <a:headEnd/>
+            <a:tailEnd/>
+          </a:ln>
+        </p:spPr>
+      </p:pic>
+    </p:spTree>
+  </p:cSld>
+  <p:clrMapOvr>
+    <a:masterClrMapping/>
+  </p:clrMapOvr>
+  <p:timing>
+    <p:tnLst>
+      <p:par>
+        <p:cTn id="1" dur="indefinite" restart="never" nodeType="tmRoot"/>
+      </p:par>
+    </p:tnLst>
+  </p:timing>
+</p:sld>
+</file>
+
+<file path=ppt/slides/slide27.xml><?xml version="1.0" encoding="utf-8"?>
+<p:sld xmlns:a="http://schemas.openxmlformats.org/drawingml/2006/main" xmlns:r="http://schemas.openxmlformats.org/officeDocument/2006/relationships" xmlns:p="http://schemas.openxmlformats.org/presentationml/2006/main">
+  <p:cSld>
+    <p:spTree>
+      <p:nvGrpSpPr>
+        <p:cNvPr id="1" name=""/>
+        <p:cNvGrpSpPr/>
+        <p:nvPr/>
+      </p:nvGrpSpPr>
+      <p:grpSpPr>
+        <a:xfrm>
+          <a:off x="0" y="0"/>
+          <a:ext cx="0" cy="0"/>
+          <a:chOff x="0" y="0"/>
+          <a:chExt cx="0" cy="0"/>
+        </a:xfrm>
+      </p:grpSpPr>
+      <p:sp>
+        <p:nvSpPr>
+          <p:cNvPr id="2" name="Título 1"/>
+          <p:cNvSpPr>
+            <a:spLocks noGrp="1"/>
+          </p:cNvSpPr>
+          <p:nvPr>
+            <p:ph type="title"/>
+          </p:nvPr>
+        </p:nvSpPr>
+        <p:spPr/>
+        <p:txBody>
+          <a:bodyPr/>
+          <a:lstStyle/>
+          <a:p>
+            <a:r>
+              <a:rPr lang="pt-BR" dirty="0" smtClean="0"/>
+              <a:t>Framework Collection</a:t>
+            </a:r>
+            <a:endParaRPr lang="pt-BR" dirty="0"/>
+          </a:p>
+        </p:txBody>
+      </p:sp>
+      <p:sp>
+        <p:nvSpPr>
+          <p:cNvPr id="3" name="Espaço Reservado para Conteúdo 2"/>
+          <p:cNvSpPr>
+            <a:spLocks noGrp="1"/>
+          </p:cNvSpPr>
+          <p:nvPr>
+            <p:ph idx="1"/>
+          </p:nvPr>
+        </p:nvSpPr>
+        <p:spPr/>
+        <p:txBody>
+          <a:bodyPr>
+            <a:normAutofit fontScale="85000" lnSpcReduction="20000"/>
+          </a:bodyPr>
+          <a:lstStyle/>
+          <a:p>
+            <a:r>
+              <a:rPr lang="pt-BR" dirty="0" smtClean="0"/>
+              <a:t>Classe ArrayList</a:t>
+            </a:r>
+          </a:p>
+          <a:p>
+            <a:pPr lvl="1"/>
+            <a:r>
+              <a:rPr lang="pt-BR" dirty="0" smtClean="0"/>
+              <a:t>Implementação de List baseada em array (redimensionamento de array!!)</a:t>
+            </a:r>
+          </a:p>
+          <a:p>
+            <a:pPr lvl="1"/>
+            <a:r>
+              <a:rPr lang="pt-BR" dirty="0" smtClean="0"/>
+              <a:t>Tempo constante para acesso posicional</a:t>
+            </a:r>
+          </a:p>
+          <a:p>
+            <a:pPr lvl="2"/>
+            <a:r>
+              <a:rPr lang="pt-BR" dirty="0" err="1" smtClean="0"/>
+              <a:t>get</a:t>
+            </a:r>
+            <a:r>
+              <a:rPr lang="pt-BR" dirty="0" smtClean="0"/>
+              <a:t>(</a:t>
+            </a:r>
+            <a:r>
+              <a:rPr lang="pt-BR" dirty="0" err="1" smtClean="0"/>
+              <a:t>index</a:t>
+            </a:r>
+            <a:r>
+              <a:rPr lang="pt-BR" dirty="0" smtClean="0"/>
+              <a:t>), set(</a:t>
+            </a:r>
+            <a:r>
+              <a:rPr lang="pt-BR" dirty="0" err="1" smtClean="0"/>
+              <a:t>index</a:t>
+            </a:r>
+            <a:r>
+              <a:rPr lang="pt-BR" dirty="0" smtClean="0"/>
+              <a:t>), ...</a:t>
+            </a:r>
+          </a:p>
+          <a:p>
+            <a:pPr lvl="1"/>
+            <a:r>
+              <a:rPr lang="pt-BR" dirty="0" smtClean="0"/>
+              <a:t>Rápido</a:t>
+            </a:r>
+          </a:p>
+          <a:p>
+            <a:pPr lvl="1"/>
+            <a:r>
+              <a:rPr lang="pt-BR" dirty="0" smtClean="0"/>
+              <a:t>Usa um array interno para armazenar os itens</a:t>
+            </a:r>
+          </a:p>
+          <a:p>
+            <a:pPr lvl="2"/>
+            <a:r>
+              <a:rPr lang="pt-BR" dirty="0" smtClean="0"/>
+              <a:t>Capacidade de um ArrayList é o tamanho do array interno</a:t>
+            </a:r>
+            <a:endParaRPr lang="pt-BR" dirty="0" smtClean="0"/>
+          </a:p>
+          <a:p>
+            <a:pPr lvl="1"/>
+            <a:r>
+              <a:rPr lang="pt-BR" dirty="0" smtClean="0"/>
+              <a:t>O array é redimensionado se necessário</a:t>
+            </a:r>
+          </a:p>
+          <a:p>
+            <a:pPr lvl="1"/>
+            <a:r>
+              <a:rPr lang="pt-BR" dirty="0" err="1" smtClean="0"/>
+              <a:t>ensureCapacity</a:t>
+            </a:r>
+            <a:endParaRPr lang="pt-BR" dirty="0" smtClean="0"/>
+          </a:p>
+          <a:p>
+            <a:pPr lvl="2"/>
+            <a:r>
+              <a:rPr lang="pt-BR" dirty="0" smtClean="0"/>
+              <a:t>Redimensiona a capacidade do array</a:t>
+            </a:r>
+          </a:p>
+          <a:p>
+            <a:pPr lvl="2"/>
+            <a:r>
+              <a:rPr lang="pt-BR" dirty="0" smtClean="0"/>
+              <a:t>Util antes de adicionar uma grande capacidade de elementos</a:t>
+            </a:r>
+          </a:p>
+          <a:p>
+            <a:pPr lvl="3"/>
+            <a:r>
+              <a:rPr lang="pt-BR" dirty="0" smtClean="0"/>
+              <a:t>Reduz a quantidade de realocação</a:t>
+            </a:r>
+            <a:endParaRPr lang="pt-BR" dirty="0" smtClean="0"/>
+          </a:p>
+        </p:txBody>
+      </p:sp>
+    </p:spTree>
+  </p:cSld>
+  <p:clrMapOvr>
+    <a:masterClrMapping/>
+  </p:clrMapOvr>
+  <p:timing>
+    <p:tnLst>
+      <p:par>
+        <p:cTn id="1" dur="indefinite" restart="never" nodeType="tmRoot"/>
+      </p:par>
+    </p:tnLst>
+  </p:timing>
+</p:sld>
+</file>
+
+<file path=ppt/slides/slide28.xml><?xml version="1.0" encoding="utf-8"?>
+<p:sld xmlns:a="http://schemas.openxmlformats.org/drawingml/2006/main" xmlns:r="http://schemas.openxmlformats.org/officeDocument/2006/relationships" xmlns:p="http://schemas.openxmlformats.org/presentationml/2006/main">
+  <p:cSld>
+    <p:spTree>
+      <p:nvGrpSpPr>
+        <p:cNvPr id="1" name=""/>
+        <p:cNvGrpSpPr/>
+        <p:nvPr/>
+      </p:nvGrpSpPr>
+      <p:grpSpPr>
+        <a:xfrm>
+          <a:off x="0" y="0"/>
+          <a:ext cx="0" cy="0"/>
+          <a:chOff x="0" y="0"/>
+          <a:chExt cx="0" cy="0"/>
+        </a:xfrm>
+      </p:grpSpPr>
+      <p:sp>
+        <p:nvSpPr>
+          <p:cNvPr id="2" name="Título 1"/>
+          <p:cNvSpPr>
+            <a:spLocks noGrp="1"/>
+          </p:cNvSpPr>
+          <p:nvPr>
+            <p:ph type="title"/>
+          </p:nvPr>
+        </p:nvSpPr>
+        <p:spPr/>
+        <p:txBody>
+          <a:bodyPr/>
+          <a:lstStyle/>
+          <a:p>
+            <a:r>
+              <a:rPr lang="pt-BR" dirty="0" smtClean="0"/>
+              <a:t>Framework Collection</a:t>
+            </a:r>
+            <a:endParaRPr lang="pt-BR" dirty="0"/>
+          </a:p>
+        </p:txBody>
+      </p:sp>
+      <p:sp>
+        <p:nvSpPr>
+          <p:cNvPr id="3" name="Espaço Reservado para Conteúdo 2"/>
+          <p:cNvSpPr>
+            <a:spLocks noGrp="1"/>
+          </p:cNvSpPr>
+          <p:nvPr>
+            <p:ph idx="1"/>
+          </p:nvPr>
+        </p:nvSpPr>
+        <p:spPr/>
+        <p:txBody>
+          <a:bodyPr>
+            <a:normAutofit/>
+          </a:bodyPr>
+          <a:lstStyle/>
+          <a:p>
+            <a:r>
+              <a:rPr lang="pt-BR" dirty="0" smtClean="0"/>
+              <a:t>Classe </a:t>
+            </a:r>
+            <a:r>
+              <a:rPr lang="pt-BR" dirty="0" err="1" smtClean="0"/>
+              <a:t>LinkedList</a:t>
+            </a:r>
+            <a:endParaRPr lang="pt-BR" dirty="0" smtClean="0"/>
+          </a:p>
+          <a:p>
+            <a:pPr lvl="1"/>
+            <a:r>
+              <a:rPr lang="pt-BR" dirty="0" smtClean="0"/>
+              <a:t>Implementação baseado numa lista encadeada</a:t>
+            </a:r>
+          </a:p>
+        </p:txBody>
+      </p:sp>
+    </p:spTree>
+  </p:cSld>
+  <p:clrMapOvr>
+    <a:masterClrMapping/>
+  </p:clrMapOvr>
+  <p:timing>
+    <p:tnLst>
+      <p:par>
+        <p:cTn id="1" dur="indefinite" restart="never" nodeType="tmRoot"/>
+      </p:par>
+    </p:tnLst>
+  </p:timing>
+</p:sld>
+</file>
+
+<file path=ppt/slides/slide29.xml><?xml version="1.0" encoding="utf-8"?>
+<p:sld xmlns:a="http://schemas.openxmlformats.org/drawingml/2006/main" xmlns:r="http://schemas.openxmlformats.org/officeDocument/2006/relationships" xmlns:p="http://schemas.openxmlformats.org/presentationml/2006/main">
+  <p:cSld>
+    <p:spTree>
+      <p:nvGrpSpPr>
+        <p:cNvPr id="1" name=""/>
+        <p:cNvGrpSpPr/>
+        <p:nvPr/>
+      </p:nvGrpSpPr>
+      <p:grpSpPr>
+        <a:xfrm>
+          <a:off x="0" y="0"/>
+          <a:ext cx="0" cy="0"/>
+          <a:chOff x="0" y="0"/>
+          <a:chExt cx="0" cy="0"/>
+        </a:xfrm>
+      </p:grpSpPr>
+      <p:sp>
+        <p:nvSpPr>
+          <p:cNvPr id="2" name="Título 1"/>
+          <p:cNvSpPr>
+            <a:spLocks noGrp="1"/>
+          </p:cNvSpPr>
+          <p:nvPr>
+            <p:ph type="title"/>
+          </p:nvPr>
+        </p:nvSpPr>
+        <p:spPr/>
+        <p:txBody>
+          <a:bodyPr/>
+          <a:lstStyle/>
+          <a:p>
+            <a:r>
+              <a:rPr lang="pt-BR" dirty="0" smtClean="0"/>
+              <a:t>Framework Collection</a:t>
+            </a:r>
+            <a:endParaRPr lang="pt-BR" dirty="0"/>
+          </a:p>
+        </p:txBody>
+      </p:sp>
+      <p:sp>
+        <p:nvSpPr>
+          <p:cNvPr id="3" name="Espaço Reservado para Conteúdo 2"/>
+          <p:cNvSpPr>
+            <a:spLocks noGrp="1"/>
+          </p:cNvSpPr>
+          <p:nvPr>
+            <p:ph idx="1"/>
+          </p:nvPr>
+        </p:nvSpPr>
+        <p:spPr/>
+        <p:txBody>
+          <a:bodyPr>
+            <a:normAutofit/>
+          </a:bodyPr>
+          <a:lstStyle/>
+          <a:p>
+            <a:r>
+              <a:rPr lang="pt-BR" dirty="0" smtClean="0"/>
+              <a:t>Sincronização de Listas</a:t>
+            </a:r>
+          </a:p>
+          <a:p>
+            <a:pPr lvl="1"/>
+            <a:r>
+              <a:rPr lang="pt-BR" dirty="0" smtClean="0"/>
+              <a:t>Múltiplas Threads gerenciando (adicionando, removendo, ...) elementos de uma lista</a:t>
+            </a:r>
+          </a:p>
+        </p:txBody>
+      </p:sp>
+      <p:pic>
+        <p:nvPicPr>
+          <p:cNvPr id="2050" name="Picture 2"/>
+          <p:cNvPicPr>
+            <a:picLocks noChangeAspect="1" noChangeArrowheads="1"/>
+          </p:cNvPicPr>
+          <p:nvPr/>
+        </p:nvPicPr>
+        <p:blipFill>
+          <a:blip r:embed="rId3" cstate="print"/>
+          <a:srcRect/>
+          <a:stretch>
+            <a:fillRect/>
+          </a:stretch>
+        </p:blipFill>
+        <p:spPr bwMode="auto">
+          <a:xfrm>
+            <a:off x="323528" y="4221088"/>
+            <a:ext cx="8105093" cy="1014784"/>
+          </a:xfrm>
+          <a:prstGeom prst="rect">
+            <a:avLst/>
+          </a:prstGeom>
+          <a:noFill/>
+          <a:ln w="9525">
+            <a:noFill/>
+            <a:miter lim="800000"/>
+            <a:headEnd/>
+            <a:tailEnd/>
+          </a:ln>
+        </p:spPr>
+      </p:pic>
+    </p:spTree>
+  </p:cSld>
+  <p:clrMapOvr>
+    <a:masterClrMapping/>
+  </p:clrMapOvr>
+  <p:timing>
+    <p:tnLst>
+      <p:par>
+        <p:cTn id="1" dur="indefinite" restart="never" nodeType="tmRoot"/>
+      </p:par>
+    </p:tnLst>
+  </p:timing>
+</p:sld>
+</file>
+
 <file path=ppt/slides/slide3.xml><?xml version="1.0" encoding="utf-8"?>
 <p:sld xmlns:a="http://schemas.openxmlformats.org/drawingml/2006/main" xmlns:r="http://schemas.openxmlformats.org/officeDocument/2006/relationships" xmlns:p="http://schemas.openxmlformats.org/presentationml/2006/main">
   <p:cSld>
@@ -8246,11 +9474,7 @@
             <a:pPr lvl="2"/>
             <a:r>
               <a:rPr lang="pt-BR" dirty="0" smtClean="0"/>
-              <a:t>Armazena, obtém</a:t>
-            </a:r>
-            <a:r>
-              <a:rPr lang="pt-BR" dirty="0" smtClean="0"/>
-              <a:t>, manipula e comunica dados agregados</a:t>
+              <a:t>Armazena, obtém, manipula e comunica dados agregados</a:t>
             </a:r>
           </a:p>
           <a:p>
@@ -8292,10 +9516,324 @@
               <a:rPr lang="pt-BR" dirty="0" smtClean="0"/>
               <a:t>...</a:t>
             </a:r>
-            <a:endParaRPr lang="pt-BR" dirty="0" smtClean="0"/>
-          </a:p>
-        </p:txBody>
-      </p:sp>
+          </a:p>
+        </p:txBody>
+      </p:sp>
+    </p:spTree>
+  </p:cSld>
+  <p:clrMapOvr>
+    <a:masterClrMapping/>
+  </p:clrMapOvr>
+  <p:timing>
+    <p:tnLst>
+      <p:par>
+        <p:cTn id="1" dur="indefinite" restart="never" nodeType="tmRoot"/>
+      </p:par>
+    </p:tnLst>
+  </p:timing>
+</p:sld>
+</file>
+
+<file path=ppt/slides/slide30.xml><?xml version="1.0" encoding="utf-8"?>
+<p:sld xmlns:a="http://schemas.openxmlformats.org/drawingml/2006/main" xmlns:r="http://schemas.openxmlformats.org/officeDocument/2006/relationships" xmlns:p="http://schemas.openxmlformats.org/presentationml/2006/main">
+  <p:cSld>
+    <p:spTree>
+      <p:nvGrpSpPr>
+        <p:cNvPr id="1" name=""/>
+        <p:cNvGrpSpPr/>
+        <p:nvPr/>
+      </p:nvGrpSpPr>
+      <p:grpSpPr>
+        <a:xfrm>
+          <a:off x="0" y="0"/>
+          <a:ext cx="0" cy="0"/>
+          <a:chOff x="0" y="0"/>
+          <a:chExt cx="0" cy="0"/>
+        </a:xfrm>
+      </p:grpSpPr>
+      <p:sp>
+        <p:nvSpPr>
+          <p:cNvPr id="2" name="Título 1"/>
+          <p:cNvSpPr>
+            <a:spLocks noGrp="1"/>
+          </p:cNvSpPr>
+          <p:nvPr>
+            <p:ph type="title"/>
+          </p:nvPr>
+        </p:nvSpPr>
+        <p:spPr/>
+        <p:txBody>
+          <a:bodyPr/>
+          <a:lstStyle/>
+          <a:p>
+            <a:r>
+              <a:rPr lang="pt-BR" dirty="0" smtClean="0"/>
+              <a:t>Framework Collection</a:t>
+            </a:r>
+            <a:endParaRPr lang="pt-BR" dirty="0"/>
+          </a:p>
+        </p:txBody>
+      </p:sp>
+      <p:sp>
+        <p:nvSpPr>
+          <p:cNvPr id="3" name="Espaço Reservado para Conteúdo 2"/>
+          <p:cNvSpPr>
+            <a:spLocks noGrp="1"/>
+          </p:cNvSpPr>
+          <p:nvPr>
+            <p:ph idx="1"/>
+          </p:nvPr>
+        </p:nvSpPr>
+        <p:spPr/>
+        <p:txBody>
+          <a:bodyPr>
+            <a:normAutofit/>
+          </a:bodyPr>
+          <a:lstStyle/>
+          <a:p>
+            <a:r>
+              <a:rPr lang="pt-BR" dirty="0" smtClean="0"/>
+              <a:t>Interface “</a:t>
+            </a:r>
+            <a:r>
+              <a:rPr lang="pt-BR" dirty="0" err="1" smtClean="0"/>
+              <a:t>Map</a:t>
+            </a:r>
+            <a:r>
+              <a:rPr lang="pt-BR" dirty="0" smtClean="0"/>
+              <a:t>”</a:t>
+            </a:r>
+          </a:p>
+          <a:p>
+            <a:pPr lvl="1"/>
+            <a:r>
+              <a:rPr lang="pt-BR" dirty="0" smtClean="0"/>
+              <a:t>Gerencia estruturas Chave/Valor</a:t>
+            </a:r>
+          </a:p>
+          <a:p>
+            <a:pPr lvl="1"/>
+            <a:r>
+              <a:rPr lang="pt-BR" dirty="0" smtClean="0"/>
+              <a:t>Um </a:t>
+            </a:r>
+            <a:r>
+              <a:rPr lang="pt-BR" dirty="0" err="1" smtClean="0"/>
+              <a:t>Map</a:t>
+            </a:r>
+            <a:r>
+              <a:rPr lang="pt-BR" dirty="0" smtClean="0"/>
+              <a:t> NÃO pode conter chaves duplicadas</a:t>
+            </a:r>
+          </a:p>
+        </p:txBody>
+      </p:sp>
+      <p:pic>
+        <p:nvPicPr>
+          <p:cNvPr id="3074" name="Picture 2"/>
+          <p:cNvPicPr>
+            <a:picLocks noChangeAspect="1" noChangeArrowheads="1"/>
+          </p:cNvPicPr>
+          <p:nvPr/>
+        </p:nvPicPr>
+        <p:blipFill>
+          <a:blip r:embed="rId3" cstate="print"/>
+          <a:srcRect/>
+          <a:stretch>
+            <a:fillRect/>
+          </a:stretch>
+        </p:blipFill>
+        <p:spPr bwMode="auto">
+          <a:xfrm>
+            <a:off x="827584" y="3789040"/>
+            <a:ext cx="6894582" cy="2560488"/>
+          </a:xfrm>
+          <a:prstGeom prst="rect">
+            <a:avLst/>
+          </a:prstGeom>
+          <a:noFill/>
+          <a:ln w="9525">
+            <a:noFill/>
+            <a:miter lim="800000"/>
+            <a:headEnd/>
+            <a:tailEnd/>
+          </a:ln>
+        </p:spPr>
+      </p:pic>
+    </p:spTree>
+  </p:cSld>
+  <p:clrMapOvr>
+    <a:masterClrMapping/>
+  </p:clrMapOvr>
+  <p:timing>
+    <p:tnLst>
+      <p:par>
+        <p:cTn id="1" dur="indefinite" restart="never" nodeType="tmRoot"/>
+      </p:par>
+    </p:tnLst>
+  </p:timing>
+</p:sld>
+</file>
+
+<file path=ppt/slides/slide31.xml><?xml version="1.0" encoding="utf-8"?>
+<p:sld xmlns:a="http://schemas.openxmlformats.org/drawingml/2006/main" xmlns:r="http://schemas.openxmlformats.org/officeDocument/2006/relationships" xmlns:p="http://schemas.openxmlformats.org/presentationml/2006/main">
+  <p:cSld>
+    <p:spTree>
+      <p:nvGrpSpPr>
+        <p:cNvPr id="1" name=""/>
+        <p:cNvGrpSpPr/>
+        <p:nvPr/>
+      </p:nvGrpSpPr>
+      <p:grpSpPr>
+        <a:xfrm>
+          <a:off x="0" y="0"/>
+          <a:ext cx="0" cy="0"/>
+          <a:chOff x="0" y="0"/>
+          <a:chExt cx="0" cy="0"/>
+        </a:xfrm>
+      </p:grpSpPr>
+      <p:sp>
+        <p:nvSpPr>
+          <p:cNvPr id="2" name="Título 1"/>
+          <p:cNvSpPr>
+            <a:spLocks noGrp="1"/>
+          </p:cNvSpPr>
+          <p:nvPr>
+            <p:ph type="title"/>
+          </p:nvPr>
+        </p:nvSpPr>
+        <p:spPr/>
+        <p:txBody>
+          <a:bodyPr/>
+          <a:lstStyle/>
+          <a:p>
+            <a:r>
+              <a:rPr lang="pt-BR" dirty="0" smtClean="0"/>
+              <a:t>Framework Collection</a:t>
+            </a:r>
+            <a:endParaRPr lang="pt-BR" dirty="0"/>
+          </a:p>
+        </p:txBody>
+      </p:sp>
+      <p:pic>
+        <p:nvPicPr>
+          <p:cNvPr id="4099" name="Picture 3"/>
+          <p:cNvPicPr>
+            <a:picLocks noChangeAspect="1" noChangeArrowheads="1"/>
+          </p:cNvPicPr>
+          <p:nvPr/>
+        </p:nvPicPr>
+        <p:blipFill>
+          <a:blip r:embed="rId3" cstate="print"/>
+          <a:srcRect/>
+          <a:stretch>
+            <a:fillRect/>
+          </a:stretch>
+        </p:blipFill>
+        <p:spPr bwMode="auto">
+          <a:xfrm>
+            <a:off x="1619672" y="1988840"/>
+            <a:ext cx="5399246" cy="3820728"/>
+          </a:xfrm>
+          <a:prstGeom prst="rect">
+            <a:avLst/>
+          </a:prstGeom>
+          <a:noFill/>
+          <a:ln w="9525">
+            <a:noFill/>
+            <a:miter lim="800000"/>
+            <a:headEnd/>
+            <a:tailEnd/>
+          </a:ln>
+        </p:spPr>
+      </p:pic>
+    </p:spTree>
+  </p:cSld>
+  <p:clrMapOvr>
+    <a:masterClrMapping/>
+  </p:clrMapOvr>
+  <p:timing>
+    <p:tnLst>
+      <p:par>
+        <p:cTn id="1" dur="indefinite" restart="never" nodeType="tmRoot"/>
+      </p:par>
+    </p:tnLst>
+  </p:timing>
+</p:sld>
+</file>
+
+<file path=ppt/slides/slide32.xml><?xml version="1.0" encoding="utf-8"?>
+<p:sld xmlns:a="http://schemas.openxmlformats.org/drawingml/2006/main" xmlns:r="http://schemas.openxmlformats.org/officeDocument/2006/relationships" xmlns:p="http://schemas.openxmlformats.org/presentationml/2006/main">
+  <p:cSld>
+    <p:spTree>
+      <p:nvGrpSpPr>
+        <p:cNvPr id="1" name=""/>
+        <p:cNvGrpSpPr/>
+        <p:nvPr/>
+      </p:nvGrpSpPr>
+      <p:grpSpPr>
+        <a:xfrm>
+          <a:off x="0" y="0"/>
+          <a:ext cx="0" cy="0"/>
+          <a:chOff x="0" y="0"/>
+          <a:chExt cx="0" cy="0"/>
+        </a:xfrm>
+      </p:grpSpPr>
+      <p:sp>
+        <p:nvSpPr>
+          <p:cNvPr id="2" name="Título 1"/>
+          <p:cNvSpPr>
+            <a:spLocks noGrp="1"/>
+          </p:cNvSpPr>
+          <p:nvPr>
+            <p:ph type="title"/>
+          </p:nvPr>
+        </p:nvSpPr>
+        <p:spPr/>
+        <p:txBody>
+          <a:bodyPr/>
+          <a:lstStyle/>
+          <a:p>
+            <a:r>
+              <a:rPr lang="pt-BR" dirty="0" smtClean="0"/>
+              <a:t>Framework Collection</a:t>
+            </a:r>
+            <a:endParaRPr lang="pt-BR" dirty="0"/>
+          </a:p>
+        </p:txBody>
+      </p:sp>
+      <p:pic>
+        <p:nvPicPr>
+          <p:cNvPr id="5122" name="Picture 2"/>
+          <p:cNvPicPr>
+            <a:picLocks noChangeAspect="1" noChangeArrowheads="1"/>
+          </p:cNvPicPr>
+          <p:nvPr/>
+        </p:nvPicPr>
+        <p:blipFill>
+          <a:blip r:embed="rId3" cstate="print"/>
+          <a:srcRect/>
+          <a:stretch>
+            <a:fillRect/>
+          </a:stretch>
+        </p:blipFill>
+        <p:spPr bwMode="auto">
+          <a:xfrm>
+            <a:off x="1907704" y="1844824"/>
+            <a:ext cx="5027439" cy="4706849"/>
+          </a:xfrm>
+          <a:prstGeom prst="rect">
+            <a:avLst/>
+          </a:prstGeom>
+          <a:noFill/>
+          <a:ln w="9525">
+            <a:noFill/>
+            <a:miter lim="800000"/>
+            <a:headEnd/>
+            <a:tailEnd/>
+          </a:ln>
+        </p:spPr>
+      </p:pic>
     </p:spTree>
   </p:cSld>
   <p:clrMapOvr>
@@ -8364,62 +9902,49 @@
         <p:spPr/>
         <p:txBody>
           <a:bodyPr>
-            <a:normAutofit fontScale="92500"/>
+            <a:normAutofit/>
           </a:bodyPr>
           <a:lstStyle/>
           <a:p>
             <a:r>
               <a:rPr lang="pt-BR" dirty="0" smtClean="0"/>
-              <a:t>Framework Collection</a:t>
+              <a:t>Conceitos</a:t>
             </a:r>
           </a:p>
           <a:p>
             <a:pPr lvl="1"/>
             <a:r>
-              <a:rPr lang="pt-BR" dirty="0" smtClean="0"/>
-              <a:t>Provê uma arquitetura unificada para representar e manipular coleções</a:t>
-            </a:r>
-          </a:p>
-          <a:p>
-            <a:pPr lvl="1"/>
-            <a:r>
-              <a:rPr lang="pt-BR" dirty="0" smtClean="0"/>
-              <a:t>Conjunto de Interfaces e Classes concretas</a:t>
-            </a:r>
-          </a:p>
-          <a:p>
-            <a:pPr lvl="1"/>
-            <a:r>
-              <a:rPr lang="pt-BR" dirty="0" smtClean="0"/>
-              <a:t>Reduz o esforço de programação</a:t>
-            </a:r>
+              <a:rPr lang="pt-BR" dirty="0" err="1" smtClean="0"/>
+              <a:t>Generics</a:t>
+            </a:r>
+            <a:endParaRPr lang="pt-BR" dirty="0" smtClean="0"/>
           </a:p>
           <a:p>
             <a:pPr lvl="2"/>
             <a:r>
               <a:rPr lang="pt-BR" dirty="0" smtClean="0"/>
-              <a:t>Não é necessário criar estruturas para manipular coleções</a:t>
+              <a:t>Permite criar templates</a:t>
             </a:r>
           </a:p>
           <a:p>
             <a:pPr lvl="2"/>
             <a:r>
               <a:rPr lang="pt-BR" dirty="0" smtClean="0"/>
-              <a:t>JDK provê o Framework Collection</a:t>
-            </a:r>
-          </a:p>
-          <a:p>
-            <a:pPr lvl="1"/>
-            <a:r>
-              <a:rPr lang="pt-BR" dirty="0" smtClean="0"/>
-              <a:t>Incrementa a velocidade e qualidade dos programas</a:t>
+              <a:t>Classes parametrizadas</a:t>
             </a:r>
           </a:p>
           <a:p>
             <a:pPr lvl="2"/>
             <a:r>
               <a:rPr lang="pt-BR" dirty="0" smtClean="0"/>
-              <a:t>A implementação da JDK é altamente otimizada</a:t>
+              <a:t>No Framework Collection é possível explicitar o tipo de elemento que a estrutura armazenará através de GENERICS</a:t>
+            </a:r>
+          </a:p>
+          <a:p>
+            <a:pPr lvl="2"/>
+            <a:r>
+              <a:rPr lang="pt-BR" dirty="0" smtClean="0"/>
+              <a:t>FUTURAMENTE ESTUDAREMOS MAIS ;) </a:t>
             </a:r>
             <a:endParaRPr lang="pt-BR" dirty="0" smtClean="0"/>
           </a:p>
@@ -8493,56 +10018,63 @@
         <p:spPr/>
         <p:txBody>
           <a:bodyPr>
-            <a:normAutofit/>
+            <a:normAutofit fontScale="92500"/>
           </a:bodyPr>
           <a:lstStyle/>
           <a:p>
             <a:r>
               <a:rPr lang="pt-BR" dirty="0" smtClean="0"/>
-              <a:t>Framework Collection (continuação)</a:t>
+              <a:t>Framework Collection</a:t>
             </a:r>
           </a:p>
           <a:p>
             <a:pPr lvl="1"/>
             <a:r>
               <a:rPr lang="pt-BR" dirty="0" smtClean="0"/>
-              <a:t>Permite interoperabilidade entre </a:t>
-            </a:r>
-            <a:r>
-              <a:rPr lang="pt-BR" dirty="0" err="1" smtClean="0"/>
-              <a:t>API’s</a:t>
-            </a:r>
-            <a:r>
-              <a:rPr lang="pt-BR" dirty="0" smtClean="0"/>
-              <a:t> não relacionadas</a:t>
+              <a:t>Provê uma arquitetura unificada para representar e manipular coleções</a:t>
+            </a:r>
+          </a:p>
+          <a:p>
+            <a:pPr lvl="1"/>
+            <a:r>
+              <a:rPr lang="pt-BR" dirty="0" smtClean="0"/>
+              <a:t>Conjunto de Interfaces e Classes concretas</a:t>
+            </a:r>
+          </a:p>
+          <a:p>
+            <a:pPr lvl="1"/>
+            <a:r>
+              <a:rPr lang="pt-BR" dirty="0" smtClean="0"/>
+              <a:t>Reduz o esforço de programação</a:t>
             </a:r>
           </a:p>
           <a:p>
             <a:pPr lvl="2"/>
             <a:r>
               <a:rPr lang="pt-BR" dirty="0" smtClean="0"/>
-              <a:t>As interfaces funcionam como a linguagem comum entre as </a:t>
-            </a:r>
-            <a:r>
-              <a:rPr lang="pt-BR" dirty="0" err="1" smtClean="0"/>
-              <a:t>API’s</a:t>
-            </a:r>
-            <a:endParaRPr lang="pt-BR" dirty="0" smtClean="0"/>
+              <a:t>Não é necessário criar estruturas para manipular coleções</a:t>
+            </a:r>
+          </a:p>
+          <a:p>
+            <a:pPr lvl="2"/>
+            <a:r>
+              <a:rPr lang="pt-BR" dirty="0" smtClean="0"/>
+              <a:t>JDK provê o Framework Collection</a:t>
+            </a:r>
           </a:p>
           <a:p>
             <a:pPr lvl="1"/>
             <a:r>
               <a:rPr lang="pt-BR" dirty="0" smtClean="0"/>
-              <a:t>Incrementa o Reuso</a:t>
+              <a:t>Incrementa a velocidade e qualidade dos programas</a:t>
             </a:r>
           </a:p>
           <a:p>
             <a:pPr lvl="2"/>
             <a:r>
               <a:rPr lang="pt-BR" dirty="0" smtClean="0"/>
-              <a:t>Novas estruturas de dados em conformidade com o padrão do framework são reutilizáveis naturalmente</a:t>
-            </a:r>
-            <a:endParaRPr lang="pt-BR" dirty="0" smtClean="0"/>
+              <a:t>A implementação da JDK é altamente otimizada</a:t>
+            </a:r>
           </a:p>
         </p:txBody>
       </p:sp>
@@ -8620,30 +10152,49 @@
           <a:p>
             <a:r>
               <a:rPr lang="pt-BR" dirty="0" smtClean="0"/>
-              <a:t>Collection Interfaces</a:t>
+              <a:t>Framework Collection (continuação)</a:t>
             </a:r>
           </a:p>
           <a:p>
             <a:pPr lvl="1"/>
             <a:r>
               <a:rPr lang="pt-BR" dirty="0" smtClean="0"/>
-              <a:t>Interfaces Collections são tipos de dados abstratos que representam coleções</a:t>
-            </a:r>
+              <a:t>Permite interoperabilidade entre </a:t>
+            </a:r>
+            <a:r>
+              <a:rPr lang="pt-BR" dirty="0" err="1" smtClean="0"/>
+              <a:t>API’s</a:t>
+            </a:r>
+            <a:r>
+              <a:rPr lang="pt-BR" dirty="0" smtClean="0"/>
+              <a:t> não relacionadas</a:t>
+            </a:r>
+          </a:p>
+          <a:p>
+            <a:pPr lvl="2"/>
+            <a:r>
+              <a:rPr lang="pt-BR" dirty="0" smtClean="0"/>
+              <a:t>As interfaces funcionam como a linguagem comum entre as </a:t>
+            </a:r>
+            <a:r>
+              <a:rPr lang="pt-BR" dirty="0" err="1" smtClean="0"/>
+              <a:t>API’s</a:t>
+            </a:r>
+            <a:endParaRPr lang="pt-BR" dirty="0" smtClean="0"/>
           </a:p>
           <a:p>
             <a:pPr lvl="1"/>
             <a:r>
               <a:rPr lang="pt-BR" dirty="0" smtClean="0"/>
-              <a:t>Ocultam os detalhes de implementação permitindo baixo acoplamento</a:t>
+              <a:t>Incrementa o Reuso</a:t>
             </a:r>
           </a:p>
           <a:p>
             <a:pPr lvl="2"/>
             <a:r>
               <a:rPr lang="pt-BR" dirty="0" smtClean="0"/>
-              <a:t>Comportamento Polimórfico</a:t>
-            </a:r>
-            <a:endParaRPr lang="pt-BR" dirty="0" smtClean="0"/>
+              <a:t>Novas estruturas de dados em conformidade com o padrão do framework são reutilizáveis naturalmente</a:t>
+            </a:r>
           </a:p>
         </p:txBody>
       </p:sp>
@@ -8663,6 +10214,106 @@
 </file>
 
 <file path=ppt/slides/slide7.xml><?xml version="1.0" encoding="utf-8"?>
+<p:sld xmlns:a="http://schemas.openxmlformats.org/drawingml/2006/main" xmlns:r="http://schemas.openxmlformats.org/officeDocument/2006/relationships" xmlns:p="http://schemas.openxmlformats.org/presentationml/2006/main">
+  <p:cSld>
+    <p:spTree>
+      <p:nvGrpSpPr>
+        <p:cNvPr id="1" name=""/>
+        <p:cNvGrpSpPr/>
+        <p:nvPr/>
+      </p:nvGrpSpPr>
+      <p:grpSpPr>
+        <a:xfrm>
+          <a:off x="0" y="0"/>
+          <a:ext cx="0" cy="0"/>
+          <a:chOff x="0" y="0"/>
+          <a:chExt cx="0" cy="0"/>
+        </a:xfrm>
+      </p:grpSpPr>
+      <p:sp>
+        <p:nvSpPr>
+          <p:cNvPr id="2" name="Título 1"/>
+          <p:cNvSpPr>
+            <a:spLocks noGrp="1"/>
+          </p:cNvSpPr>
+          <p:nvPr>
+            <p:ph type="title"/>
+          </p:nvPr>
+        </p:nvSpPr>
+        <p:spPr/>
+        <p:txBody>
+          <a:bodyPr/>
+          <a:lstStyle/>
+          <a:p>
+            <a:r>
+              <a:rPr lang="pt-BR" dirty="0" smtClean="0"/>
+              <a:t>Framework Collection</a:t>
+            </a:r>
+            <a:endParaRPr lang="pt-BR" dirty="0"/>
+          </a:p>
+        </p:txBody>
+      </p:sp>
+      <p:sp>
+        <p:nvSpPr>
+          <p:cNvPr id="3" name="Espaço Reservado para Conteúdo 2"/>
+          <p:cNvSpPr>
+            <a:spLocks noGrp="1"/>
+          </p:cNvSpPr>
+          <p:nvPr>
+            <p:ph idx="1"/>
+          </p:nvPr>
+        </p:nvSpPr>
+        <p:spPr/>
+        <p:txBody>
+          <a:bodyPr>
+            <a:normAutofit/>
+          </a:bodyPr>
+          <a:lstStyle/>
+          <a:p>
+            <a:r>
+              <a:rPr lang="pt-BR" dirty="0" smtClean="0"/>
+              <a:t>Collection Interfaces</a:t>
+            </a:r>
+          </a:p>
+          <a:p>
+            <a:pPr lvl="1"/>
+            <a:r>
+              <a:rPr lang="pt-BR" dirty="0" smtClean="0"/>
+              <a:t>Interfaces Collections são tipos de dados abstratos que representam coleções</a:t>
+            </a:r>
+          </a:p>
+          <a:p>
+            <a:pPr lvl="1"/>
+            <a:r>
+              <a:rPr lang="pt-BR" dirty="0" smtClean="0"/>
+              <a:t>Ocultam os detalhes de implementação permitindo baixo acoplamento</a:t>
+            </a:r>
+          </a:p>
+          <a:p>
+            <a:pPr lvl="2"/>
+            <a:r>
+              <a:rPr lang="pt-BR" dirty="0" smtClean="0"/>
+              <a:t>Comportamento Polimórfico</a:t>
+            </a:r>
+          </a:p>
+        </p:txBody>
+      </p:sp>
+    </p:spTree>
+  </p:cSld>
+  <p:clrMapOvr>
+    <a:masterClrMapping/>
+  </p:clrMapOvr>
+  <p:timing>
+    <p:tnLst>
+      <p:par>
+        <p:cTn id="1" dur="indefinite" restart="never" nodeType="tmRoot"/>
+      </p:par>
+    </p:tnLst>
+  </p:timing>
+</p:sld>
+</file>
+
+<file path=ppt/slides/slide8.xml><?xml version="1.0" encoding="utf-8"?>
 <p:sld xmlns:a="http://schemas.openxmlformats.org/drawingml/2006/main" xmlns:r="http://schemas.openxmlformats.org/officeDocument/2006/relationships" xmlns:p="http://schemas.openxmlformats.org/presentationml/2006/main">
   <p:cSld>
     <p:spTree>
@@ -8749,7 +10400,7 @@
 </p:sld>
 </file>
 
-<file path=ppt/slides/slide8.xml><?xml version="1.0" encoding="utf-8"?>
+<file path=ppt/slides/slide9.xml><?xml version="1.0" encoding="utf-8"?>
 <p:sld xmlns:a="http://schemas.openxmlformats.org/drawingml/2006/main" xmlns:r="http://schemas.openxmlformats.org/officeDocument/2006/relationships" xmlns:p="http://schemas.openxmlformats.org/presentationml/2006/main">
   <p:cSld>
     <p:spTree>
@@ -8853,111 +10504,6 @@
           </a:ln>
         </p:spPr>
       </p:pic>
-    </p:spTree>
-  </p:cSld>
-  <p:clrMapOvr>
-    <a:masterClrMapping/>
-  </p:clrMapOvr>
-  <p:timing>
-    <p:tnLst>
-      <p:par>
-        <p:cTn id="1" dur="indefinite" restart="never" nodeType="tmRoot"/>
-      </p:par>
-    </p:tnLst>
-  </p:timing>
-</p:sld>
-</file>
-
-<file path=ppt/slides/slide9.xml><?xml version="1.0" encoding="utf-8"?>
-<p:sld xmlns:a="http://schemas.openxmlformats.org/drawingml/2006/main" xmlns:r="http://schemas.openxmlformats.org/officeDocument/2006/relationships" xmlns:p="http://schemas.openxmlformats.org/presentationml/2006/main">
-  <p:cSld>
-    <p:spTree>
-      <p:nvGrpSpPr>
-        <p:cNvPr id="1" name=""/>
-        <p:cNvGrpSpPr/>
-        <p:nvPr/>
-      </p:nvGrpSpPr>
-      <p:grpSpPr>
-        <a:xfrm>
-          <a:off x="0" y="0"/>
-          <a:ext cx="0" cy="0"/>
-          <a:chOff x="0" y="0"/>
-          <a:chExt cx="0" cy="0"/>
-        </a:xfrm>
-      </p:grpSpPr>
-      <p:sp>
-        <p:nvSpPr>
-          <p:cNvPr id="2" name="Título 1"/>
-          <p:cNvSpPr>
-            <a:spLocks noGrp="1"/>
-          </p:cNvSpPr>
-          <p:nvPr>
-            <p:ph type="title"/>
-          </p:nvPr>
-        </p:nvSpPr>
-        <p:spPr/>
-        <p:txBody>
-          <a:bodyPr/>
-          <a:lstStyle/>
-          <a:p>
-            <a:r>
-              <a:rPr lang="pt-BR" dirty="0" smtClean="0"/>
-              <a:t>Framework Collection</a:t>
-            </a:r>
-            <a:endParaRPr lang="pt-BR" dirty="0"/>
-          </a:p>
-        </p:txBody>
-      </p:sp>
-      <p:sp>
-        <p:nvSpPr>
-          <p:cNvPr id="3" name="Espaço Reservado para Conteúdo 2"/>
-          <p:cNvSpPr>
-            <a:spLocks noGrp="1"/>
-          </p:cNvSpPr>
-          <p:nvPr>
-            <p:ph idx="1"/>
-          </p:nvPr>
-        </p:nvSpPr>
-        <p:spPr/>
-        <p:txBody>
-          <a:bodyPr>
-            <a:normAutofit/>
-          </a:bodyPr>
-          <a:lstStyle/>
-          <a:p>
-            <a:r>
-              <a:rPr lang="pt-BR" dirty="0" smtClean="0"/>
-              <a:t>“Collection” Interface</a:t>
-            </a:r>
-          </a:p>
-          <a:p>
-            <a:pPr lvl="1"/>
-            <a:r>
-              <a:rPr lang="pt-BR" dirty="0" smtClean="0"/>
-              <a:t>Interface base do Framework Collection</a:t>
-            </a:r>
-          </a:p>
-          <a:p>
-            <a:pPr lvl="1"/>
-            <a:r>
-              <a:rPr lang="pt-BR" dirty="0" smtClean="0"/>
-              <a:t>Define a visão mais geral de uma coleção</a:t>
-            </a:r>
-          </a:p>
-          <a:p>
-            <a:pPr lvl="1"/>
-            <a:r>
-              <a:rPr lang="pt-BR" dirty="0" smtClean="0"/>
-              <a:t>JDK não fornece implementação direta desta interface, apenas para as subinterfaces, tais como Set e </a:t>
-            </a:r>
-            <a:r>
-              <a:rPr lang="pt-BR" dirty="0" err="1" smtClean="0"/>
-              <a:t>List</a:t>
-            </a:r>
-            <a:endParaRPr lang="pt-BR" dirty="0" smtClean="0"/>
-          </a:p>
-        </p:txBody>
-      </p:sp>
     </p:spTree>
   </p:cSld>
   <p:clrMapOvr>

--- a/Fundamentos/Fundamentos - Collections.pptx
+++ b/Fundamentos/Fundamentos - Collections.pptx
@@ -5,7 +5,7 @@
     <p:sldMasterId id="2147483792" r:id="rId1"/>
   </p:sldMasterIdLst>
   <p:notesMasterIdLst>
-    <p:notesMasterId r:id="rId34"/>
+    <p:notesMasterId r:id="rId39"/>
   </p:notesMasterIdLst>
   <p:sldIdLst>
     <p:sldId id="256" r:id="rId2"/>
@@ -40,6 +40,11 @@
     <p:sldId id="338" r:id="rId31"/>
     <p:sldId id="339" r:id="rId32"/>
     <p:sldId id="340" r:id="rId33"/>
+    <p:sldId id="341" r:id="rId34"/>
+    <p:sldId id="342" r:id="rId35"/>
+    <p:sldId id="343" r:id="rId36"/>
+    <p:sldId id="344" r:id="rId37"/>
+    <p:sldId id="345" r:id="rId38"/>
   </p:sldIdLst>
   <p:sldSz cx="9144000" cy="6858000" type="screen4x3"/>
   <p:notesSz cx="6858000" cy="9144000"/>
@@ -224,7 +229,7 @@
             <a:fld id="{0798B77A-D2B4-472A-BFF6-BFE225C3220A}" type="datetimeFigureOut">
               <a:rPr lang="pt-BR" smtClean="0"/>
               <a:pPr/>
-              <a:t>02/04/2014</a:t>
+              <a:t>04/04/2014</a:t>
             </a:fld>
             <a:endParaRPr lang="pt-BR"/>
           </a:p>
@@ -2540,6 +2545,416 @@
 </p:notes>
 </file>
 
+<file path=ppt/notesSlides/notesSlide32.xml><?xml version="1.0" encoding="utf-8"?>
+<p:notes xmlns:a="http://schemas.openxmlformats.org/drawingml/2006/main" xmlns:r="http://schemas.openxmlformats.org/officeDocument/2006/relationships" xmlns:p="http://schemas.openxmlformats.org/presentationml/2006/main">
+  <p:cSld>
+    <p:spTree>
+      <p:nvGrpSpPr>
+        <p:cNvPr id="1" name=""/>
+        <p:cNvGrpSpPr/>
+        <p:nvPr/>
+      </p:nvGrpSpPr>
+      <p:grpSpPr>
+        <a:xfrm>
+          <a:off x="0" y="0"/>
+          <a:ext cx="0" cy="0"/>
+          <a:chOff x="0" y="0"/>
+          <a:chExt cx="0" cy="0"/>
+        </a:xfrm>
+      </p:grpSpPr>
+      <p:sp>
+        <p:nvSpPr>
+          <p:cNvPr id="2" name="Espaço Reservado para Imagem de Slide 1"/>
+          <p:cNvSpPr>
+            <a:spLocks noGrp="1" noRot="1" noChangeAspect="1"/>
+          </p:cNvSpPr>
+          <p:nvPr>
+            <p:ph type="sldImg"/>
+          </p:nvPr>
+        </p:nvSpPr>
+        <p:spPr/>
+      </p:sp>
+      <p:sp>
+        <p:nvSpPr>
+          <p:cNvPr id="3" name="Espaço Reservado para Anotações 2"/>
+          <p:cNvSpPr>
+            <a:spLocks noGrp="1"/>
+          </p:cNvSpPr>
+          <p:nvPr>
+            <p:ph type="body" idx="1"/>
+          </p:nvPr>
+        </p:nvSpPr>
+        <p:spPr/>
+        <p:txBody>
+          <a:bodyPr>
+            <a:normAutofit/>
+          </a:bodyPr>
+          <a:lstStyle/>
+          <a:p>
+            <a:endParaRPr lang="pt-BR" dirty="0" smtClean="0"/>
+          </a:p>
+        </p:txBody>
+      </p:sp>
+      <p:sp>
+        <p:nvSpPr>
+          <p:cNvPr id="4" name="Espaço Reservado para Número de Slide 3"/>
+          <p:cNvSpPr>
+            <a:spLocks noGrp="1"/>
+          </p:cNvSpPr>
+          <p:nvPr>
+            <p:ph type="sldNum" sz="quarter" idx="10"/>
+          </p:nvPr>
+        </p:nvSpPr>
+        <p:spPr/>
+        <p:txBody>
+          <a:bodyPr/>
+          <a:lstStyle/>
+          <a:p>
+            <a:fld id="{72B91EDC-0C87-4192-8AD8-36C87AC108D0}" type="slidenum">
+              <a:rPr lang="pt-BR" smtClean="0"/>
+              <a:pPr/>
+              <a:t>33</a:t>
+            </a:fld>
+            <a:endParaRPr lang="pt-BR"/>
+          </a:p>
+        </p:txBody>
+      </p:sp>
+    </p:spTree>
+  </p:cSld>
+  <p:clrMapOvr>
+    <a:masterClrMapping/>
+  </p:clrMapOvr>
+</p:notes>
+</file>
+
+<file path=ppt/notesSlides/notesSlide33.xml><?xml version="1.0" encoding="utf-8"?>
+<p:notes xmlns:a="http://schemas.openxmlformats.org/drawingml/2006/main" xmlns:r="http://schemas.openxmlformats.org/officeDocument/2006/relationships" xmlns:p="http://schemas.openxmlformats.org/presentationml/2006/main">
+  <p:cSld>
+    <p:spTree>
+      <p:nvGrpSpPr>
+        <p:cNvPr id="1" name=""/>
+        <p:cNvGrpSpPr/>
+        <p:nvPr/>
+      </p:nvGrpSpPr>
+      <p:grpSpPr>
+        <a:xfrm>
+          <a:off x="0" y="0"/>
+          <a:ext cx="0" cy="0"/>
+          <a:chOff x="0" y="0"/>
+          <a:chExt cx="0" cy="0"/>
+        </a:xfrm>
+      </p:grpSpPr>
+      <p:sp>
+        <p:nvSpPr>
+          <p:cNvPr id="2" name="Espaço Reservado para Imagem de Slide 1"/>
+          <p:cNvSpPr>
+            <a:spLocks noGrp="1" noRot="1" noChangeAspect="1"/>
+          </p:cNvSpPr>
+          <p:nvPr>
+            <p:ph type="sldImg"/>
+          </p:nvPr>
+        </p:nvSpPr>
+        <p:spPr/>
+      </p:sp>
+      <p:sp>
+        <p:nvSpPr>
+          <p:cNvPr id="3" name="Espaço Reservado para Anotações 2"/>
+          <p:cNvSpPr>
+            <a:spLocks noGrp="1"/>
+          </p:cNvSpPr>
+          <p:nvPr>
+            <p:ph type="body" idx="1"/>
+          </p:nvPr>
+        </p:nvSpPr>
+        <p:spPr/>
+        <p:txBody>
+          <a:bodyPr>
+            <a:normAutofit/>
+          </a:bodyPr>
+          <a:lstStyle/>
+          <a:p>
+            <a:endParaRPr lang="pt-BR" dirty="0" smtClean="0"/>
+          </a:p>
+        </p:txBody>
+      </p:sp>
+      <p:sp>
+        <p:nvSpPr>
+          <p:cNvPr id="4" name="Espaço Reservado para Número de Slide 3"/>
+          <p:cNvSpPr>
+            <a:spLocks noGrp="1"/>
+          </p:cNvSpPr>
+          <p:nvPr>
+            <p:ph type="sldNum" sz="quarter" idx="10"/>
+          </p:nvPr>
+        </p:nvSpPr>
+        <p:spPr/>
+        <p:txBody>
+          <a:bodyPr/>
+          <a:lstStyle/>
+          <a:p>
+            <a:fld id="{72B91EDC-0C87-4192-8AD8-36C87AC108D0}" type="slidenum">
+              <a:rPr lang="pt-BR" smtClean="0"/>
+              <a:pPr/>
+              <a:t>34</a:t>
+            </a:fld>
+            <a:endParaRPr lang="pt-BR"/>
+          </a:p>
+        </p:txBody>
+      </p:sp>
+    </p:spTree>
+  </p:cSld>
+  <p:clrMapOvr>
+    <a:masterClrMapping/>
+  </p:clrMapOvr>
+</p:notes>
+</file>
+
+<file path=ppt/notesSlides/notesSlide34.xml><?xml version="1.0" encoding="utf-8"?>
+<p:notes xmlns:a="http://schemas.openxmlformats.org/drawingml/2006/main" xmlns:r="http://schemas.openxmlformats.org/officeDocument/2006/relationships" xmlns:p="http://schemas.openxmlformats.org/presentationml/2006/main">
+  <p:cSld>
+    <p:spTree>
+      <p:nvGrpSpPr>
+        <p:cNvPr id="1" name=""/>
+        <p:cNvGrpSpPr/>
+        <p:nvPr/>
+      </p:nvGrpSpPr>
+      <p:grpSpPr>
+        <a:xfrm>
+          <a:off x="0" y="0"/>
+          <a:ext cx="0" cy="0"/>
+          <a:chOff x="0" y="0"/>
+          <a:chExt cx="0" cy="0"/>
+        </a:xfrm>
+      </p:grpSpPr>
+      <p:sp>
+        <p:nvSpPr>
+          <p:cNvPr id="2" name="Espaço Reservado para Imagem de Slide 1"/>
+          <p:cNvSpPr>
+            <a:spLocks noGrp="1" noRot="1" noChangeAspect="1"/>
+          </p:cNvSpPr>
+          <p:nvPr>
+            <p:ph type="sldImg"/>
+          </p:nvPr>
+        </p:nvSpPr>
+        <p:spPr/>
+      </p:sp>
+      <p:sp>
+        <p:nvSpPr>
+          <p:cNvPr id="3" name="Espaço Reservado para Anotações 2"/>
+          <p:cNvSpPr>
+            <a:spLocks noGrp="1"/>
+          </p:cNvSpPr>
+          <p:nvPr>
+            <p:ph type="body" idx="1"/>
+          </p:nvPr>
+        </p:nvSpPr>
+        <p:spPr/>
+        <p:txBody>
+          <a:bodyPr>
+            <a:normAutofit/>
+          </a:bodyPr>
+          <a:lstStyle/>
+          <a:p>
+            <a:endParaRPr lang="pt-BR" dirty="0" smtClean="0"/>
+          </a:p>
+        </p:txBody>
+      </p:sp>
+      <p:sp>
+        <p:nvSpPr>
+          <p:cNvPr id="4" name="Espaço Reservado para Número de Slide 3"/>
+          <p:cNvSpPr>
+            <a:spLocks noGrp="1"/>
+          </p:cNvSpPr>
+          <p:nvPr>
+            <p:ph type="sldNum" sz="quarter" idx="10"/>
+          </p:nvPr>
+        </p:nvSpPr>
+        <p:spPr/>
+        <p:txBody>
+          <a:bodyPr/>
+          <a:lstStyle/>
+          <a:p>
+            <a:fld id="{72B91EDC-0C87-4192-8AD8-36C87AC108D0}" type="slidenum">
+              <a:rPr lang="pt-BR" smtClean="0"/>
+              <a:pPr/>
+              <a:t>35</a:t>
+            </a:fld>
+            <a:endParaRPr lang="pt-BR"/>
+          </a:p>
+        </p:txBody>
+      </p:sp>
+    </p:spTree>
+  </p:cSld>
+  <p:clrMapOvr>
+    <a:masterClrMapping/>
+  </p:clrMapOvr>
+</p:notes>
+</file>
+
+<file path=ppt/notesSlides/notesSlide35.xml><?xml version="1.0" encoding="utf-8"?>
+<p:notes xmlns:a="http://schemas.openxmlformats.org/drawingml/2006/main" xmlns:r="http://schemas.openxmlformats.org/officeDocument/2006/relationships" xmlns:p="http://schemas.openxmlformats.org/presentationml/2006/main">
+  <p:cSld>
+    <p:spTree>
+      <p:nvGrpSpPr>
+        <p:cNvPr id="1" name=""/>
+        <p:cNvGrpSpPr/>
+        <p:nvPr/>
+      </p:nvGrpSpPr>
+      <p:grpSpPr>
+        <a:xfrm>
+          <a:off x="0" y="0"/>
+          <a:ext cx="0" cy="0"/>
+          <a:chOff x="0" y="0"/>
+          <a:chExt cx="0" cy="0"/>
+        </a:xfrm>
+      </p:grpSpPr>
+      <p:sp>
+        <p:nvSpPr>
+          <p:cNvPr id="2" name="Espaço Reservado para Imagem de Slide 1"/>
+          <p:cNvSpPr>
+            <a:spLocks noGrp="1" noRot="1" noChangeAspect="1"/>
+          </p:cNvSpPr>
+          <p:nvPr>
+            <p:ph type="sldImg"/>
+          </p:nvPr>
+        </p:nvSpPr>
+        <p:spPr/>
+      </p:sp>
+      <p:sp>
+        <p:nvSpPr>
+          <p:cNvPr id="3" name="Espaço Reservado para Anotações 2"/>
+          <p:cNvSpPr>
+            <a:spLocks noGrp="1"/>
+          </p:cNvSpPr>
+          <p:nvPr>
+            <p:ph type="body" idx="1"/>
+          </p:nvPr>
+        </p:nvSpPr>
+        <p:spPr/>
+        <p:txBody>
+          <a:bodyPr>
+            <a:normAutofit/>
+          </a:bodyPr>
+          <a:lstStyle/>
+          <a:p>
+            <a:endParaRPr lang="pt-BR" dirty="0" smtClean="0"/>
+          </a:p>
+        </p:txBody>
+      </p:sp>
+      <p:sp>
+        <p:nvSpPr>
+          <p:cNvPr id="4" name="Espaço Reservado para Número de Slide 3"/>
+          <p:cNvSpPr>
+            <a:spLocks noGrp="1"/>
+          </p:cNvSpPr>
+          <p:nvPr>
+            <p:ph type="sldNum" sz="quarter" idx="10"/>
+          </p:nvPr>
+        </p:nvSpPr>
+        <p:spPr/>
+        <p:txBody>
+          <a:bodyPr/>
+          <a:lstStyle/>
+          <a:p>
+            <a:fld id="{72B91EDC-0C87-4192-8AD8-36C87AC108D0}" type="slidenum">
+              <a:rPr lang="pt-BR" smtClean="0"/>
+              <a:pPr/>
+              <a:t>36</a:t>
+            </a:fld>
+            <a:endParaRPr lang="pt-BR"/>
+          </a:p>
+        </p:txBody>
+      </p:sp>
+    </p:spTree>
+  </p:cSld>
+  <p:clrMapOvr>
+    <a:masterClrMapping/>
+  </p:clrMapOvr>
+</p:notes>
+</file>
+
+<file path=ppt/notesSlides/notesSlide36.xml><?xml version="1.0" encoding="utf-8"?>
+<p:notes xmlns:a="http://schemas.openxmlformats.org/drawingml/2006/main" xmlns:r="http://schemas.openxmlformats.org/officeDocument/2006/relationships" xmlns:p="http://schemas.openxmlformats.org/presentationml/2006/main">
+  <p:cSld>
+    <p:spTree>
+      <p:nvGrpSpPr>
+        <p:cNvPr id="1" name=""/>
+        <p:cNvGrpSpPr/>
+        <p:nvPr/>
+      </p:nvGrpSpPr>
+      <p:grpSpPr>
+        <a:xfrm>
+          <a:off x="0" y="0"/>
+          <a:ext cx="0" cy="0"/>
+          <a:chOff x="0" y="0"/>
+          <a:chExt cx="0" cy="0"/>
+        </a:xfrm>
+      </p:grpSpPr>
+      <p:sp>
+        <p:nvSpPr>
+          <p:cNvPr id="2" name="Espaço Reservado para Imagem de Slide 1"/>
+          <p:cNvSpPr>
+            <a:spLocks noGrp="1" noRot="1" noChangeAspect="1"/>
+          </p:cNvSpPr>
+          <p:nvPr>
+            <p:ph type="sldImg"/>
+          </p:nvPr>
+        </p:nvSpPr>
+        <p:spPr/>
+      </p:sp>
+      <p:sp>
+        <p:nvSpPr>
+          <p:cNvPr id="3" name="Espaço Reservado para Anotações 2"/>
+          <p:cNvSpPr>
+            <a:spLocks noGrp="1"/>
+          </p:cNvSpPr>
+          <p:nvPr>
+            <p:ph type="body" idx="1"/>
+          </p:nvPr>
+        </p:nvSpPr>
+        <p:spPr/>
+        <p:txBody>
+          <a:bodyPr>
+            <a:normAutofit/>
+          </a:bodyPr>
+          <a:lstStyle/>
+          <a:p>
+            <a:endParaRPr lang="pt-BR" dirty="0" smtClean="0"/>
+          </a:p>
+        </p:txBody>
+      </p:sp>
+      <p:sp>
+        <p:nvSpPr>
+          <p:cNvPr id="4" name="Espaço Reservado para Número de Slide 3"/>
+          <p:cNvSpPr>
+            <a:spLocks noGrp="1"/>
+          </p:cNvSpPr>
+          <p:nvPr>
+            <p:ph type="sldNum" sz="quarter" idx="10"/>
+          </p:nvPr>
+        </p:nvSpPr>
+        <p:spPr/>
+        <p:txBody>
+          <a:bodyPr/>
+          <a:lstStyle/>
+          <a:p>
+            <a:fld id="{72B91EDC-0C87-4192-8AD8-36C87AC108D0}" type="slidenum">
+              <a:rPr lang="pt-BR" smtClean="0"/>
+              <a:pPr/>
+              <a:t>37</a:t>
+            </a:fld>
+            <a:endParaRPr lang="pt-BR"/>
+          </a:p>
+        </p:txBody>
+      </p:sp>
+    </p:spTree>
+  </p:cSld>
+  <p:clrMapOvr>
+    <a:masterClrMapping/>
+  </p:clrMapOvr>
+</p:notes>
+</file>
+
 <file path=ppt/notesSlides/notesSlide4.xml><?xml version="1.0" encoding="utf-8"?>
 <p:notes xmlns:a="http://schemas.openxmlformats.org/drawingml/2006/main" xmlns:r="http://schemas.openxmlformats.org/officeDocument/2006/relationships" xmlns:p="http://schemas.openxmlformats.org/presentationml/2006/main">
   <p:cSld>
@@ -3281,7 +3696,7 @@
             <a:fld id="{2E700DB3-DBF0-4086-B675-117E7A9610B8}" type="datetimeFigureOut">
               <a:rPr lang="pt-BR" smtClean="0"/>
               <a:pPr/>
-              <a:t>02/04/2014</a:t>
+              <a:t>04/04/2014</a:t>
             </a:fld>
             <a:endParaRPr lang="pt-BR"/>
           </a:p>
@@ -3506,7 +3921,7 @@
             <a:fld id="{2E700DB3-DBF0-4086-B675-117E7A9610B8}" type="datetimeFigureOut">
               <a:rPr lang="pt-BR" smtClean="0"/>
               <a:pPr/>
-              <a:t>02/04/2014</a:t>
+              <a:t>04/04/2014</a:t>
             </a:fld>
             <a:endParaRPr lang="pt-BR"/>
           </a:p>
@@ -3788,7 +4203,7 @@
             <a:fld id="{2E700DB3-DBF0-4086-B675-117E7A9610B8}" type="datetimeFigureOut">
               <a:rPr lang="pt-BR" smtClean="0"/>
               <a:pPr/>
-              <a:t>02/04/2014</a:t>
+              <a:t>04/04/2014</a:t>
             </a:fld>
             <a:endParaRPr lang="pt-BR"/>
           </a:p>
@@ -3969,7 +4384,7 @@
             <a:fld id="{2E700DB3-DBF0-4086-B675-117E7A9610B8}" type="datetimeFigureOut">
               <a:rPr lang="pt-BR" smtClean="0"/>
               <a:pPr/>
-              <a:t>02/04/2014</a:t>
+              <a:t>04/04/2014</a:t>
             </a:fld>
             <a:endParaRPr lang="pt-BR"/>
           </a:p>
@@ -4329,7 +4744,7 @@
             <a:fld id="{2E700DB3-DBF0-4086-B675-117E7A9610B8}" type="datetimeFigureOut">
               <a:rPr lang="pt-BR" smtClean="0"/>
               <a:pPr/>
-              <a:t>02/04/2014</a:t>
+              <a:t>04/04/2014</a:t>
             </a:fld>
             <a:endParaRPr lang="pt-BR"/>
           </a:p>
@@ -4618,7 +5033,7 @@
             <a:fld id="{2E700DB3-DBF0-4086-B675-117E7A9610B8}" type="datetimeFigureOut">
               <a:rPr lang="pt-BR" smtClean="0"/>
               <a:pPr/>
-              <a:t>02/04/2014</a:t>
+              <a:t>04/04/2014</a:t>
             </a:fld>
             <a:endParaRPr lang="pt-BR"/>
           </a:p>
@@ -5042,7 +5457,7 @@
             <a:fld id="{2E700DB3-DBF0-4086-B675-117E7A9610B8}" type="datetimeFigureOut">
               <a:rPr lang="pt-BR" smtClean="0"/>
               <a:pPr/>
-              <a:t>02/04/2014</a:t>
+              <a:t>04/04/2014</a:t>
             </a:fld>
             <a:endParaRPr lang="pt-BR"/>
           </a:p>
@@ -5159,7 +5574,7 @@
             <a:fld id="{2E700DB3-DBF0-4086-B675-117E7A9610B8}" type="datetimeFigureOut">
               <a:rPr lang="pt-BR" smtClean="0"/>
               <a:pPr/>
-              <a:t>02/04/2014</a:t>
+              <a:t>04/04/2014</a:t>
             </a:fld>
             <a:endParaRPr lang="pt-BR"/>
           </a:p>
@@ -5251,7 +5666,7 @@
             <a:fld id="{2E700DB3-DBF0-4086-B675-117E7A9610B8}" type="datetimeFigureOut">
               <a:rPr lang="pt-BR" smtClean="0"/>
               <a:pPr/>
-              <a:t>02/04/2014</a:t>
+              <a:t>04/04/2014</a:t>
             </a:fld>
             <a:endParaRPr lang="pt-BR"/>
           </a:p>
@@ -5531,7 +5946,7 @@
             <a:fld id="{2E700DB3-DBF0-4086-B675-117E7A9610B8}" type="datetimeFigureOut">
               <a:rPr lang="pt-BR" smtClean="0"/>
               <a:pPr/>
-              <a:t>02/04/2014</a:t>
+              <a:t>04/04/2014</a:t>
             </a:fld>
             <a:endParaRPr lang="pt-BR"/>
           </a:p>
@@ -5899,7 +6314,7 @@
             <a:fld id="{2E700DB3-DBF0-4086-B675-117E7A9610B8}" type="datetimeFigureOut">
               <a:rPr lang="pt-BR" smtClean="0"/>
               <a:pPr/>
-              <a:t>02/04/2014</a:t>
+              <a:t>04/04/2014</a:t>
             </a:fld>
             <a:endParaRPr lang="pt-BR"/>
           </a:p>
@@ -6338,7 +6753,7 @@
             <a:fld id="{2E700DB3-DBF0-4086-B675-117E7A9610B8}" type="datetimeFigureOut">
               <a:rPr lang="pt-BR" smtClean="0"/>
               <a:pPr/>
-              <a:t>02/04/2014</a:t>
+              <a:t>04/04/2014</a:t>
             </a:fld>
             <a:endParaRPr lang="pt-BR"/>
           </a:p>
@@ -7759,7 +8174,6 @@
               <a:rPr lang="pt-BR" dirty="0" smtClean="0"/>
               <a:t>HashSet</a:t>
             </a:r>
-            <a:endParaRPr lang="pt-BR" dirty="0" smtClean="0"/>
           </a:p>
           <a:p>
             <a:pPr lvl="2"/>
@@ -8128,11 +8542,7 @@
             </a:r>
             <a:r>
               <a:rPr lang="pt-BR" dirty="0" smtClean="0"/>
-              <a:t> (ordem numérica), </a:t>
-            </a:r>
-            <a:r>
-              <a:rPr lang="pt-BR" dirty="0" smtClean="0"/>
-              <a:t>...</a:t>
+              <a:t> (ordem numérica), ...</a:t>
             </a:r>
           </a:p>
           <a:p>
@@ -8153,7 +8563,6 @@
               <a:rPr lang="pt-BR" dirty="0" smtClean="0"/>
               <a:t>Pode ser passado para classes do Framework capazes de definirem semânticas de ordenação</a:t>
             </a:r>
-            <a:endParaRPr lang="pt-BR" dirty="0" smtClean="0"/>
           </a:p>
         </p:txBody>
       </p:sp>
@@ -9129,7 +9538,6 @@
               <a:rPr lang="pt-BR" dirty="0" smtClean="0"/>
               <a:t>Capacidade de um ArrayList é o tamanho do array interno</a:t>
             </a:r>
-            <a:endParaRPr lang="pt-BR" dirty="0" smtClean="0"/>
           </a:p>
           <a:p>
             <a:pPr lvl="1"/>
@@ -9166,7 +9574,6 @@
               <a:rPr lang="pt-BR" dirty="0" smtClean="0"/>
               <a:t>Reduz a quantidade de realocação</a:t>
             </a:r>
-            <a:endParaRPr lang="pt-BR" dirty="0" smtClean="0"/>
           </a:p>
         </p:txBody>
       </p:sp>
@@ -9593,15 +10000,7 @@
           <a:p>
             <a:r>
               <a:rPr lang="pt-BR" dirty="0" smtClean="0"/>
-              <a:t>Interface “</a:t>
-            </a:r>
-            <a:r>
-              <a:rPr lang="pt-BR" dirty="0" err="1" smtClean="0"/>
-              <a:t>Map</a:t>
-            </a:r>
-            <a:r>
-              <a:rPr lang="pt-BR" dirty="0" smtClean="0"/>
-              <a:t>”</a:t>
+              <a:t>Interface “Map”</a:t>
             </a:r>
           </a:p>
           <a:p>
@@ -9615,15 +10014,7 @@
             <a:pPr lvl="1"/>
             <a:r>
               <a:rPr lang="pt-BR" dirty="0" smtClean="0"/>
-              <a:t>Um </a:t>
-            </a:r>
-            <a:r>
-              <a:rPr lang="pt-BR" dirty="0" err="1" smtClean="0"/>
-              <a:t>Map</a:t>
-            </a:r>
-            <a:r>
-              <a:rPr lang="pt-BR" dirty="0" smtClean="0"/>
-              <a:t> NÃO pode conter chaves duplicadas</a:t>
+              <a:t>Um Map NÃO pode conter chaves duplicadas</a:t>
             </a:r>
           </a:p>
         </p:txBody>
@@ -9849,6 +10240,867 @@
 </p:sld>
 </file>
 
+<file path=ppt/slides/slide33.xml><?xml version="1.0" encoding="utf-8"?>
+<p:sld xmlns:a="http://schemas.openxmlformats.org/drawingml/2006/main" xmlns:r="http://schemas.openxmlformats.org/officeDocument/2006/relationships" xmlns:p="http://schemas.openxmlformats.org/presentationml/2006/main">
+  <p:cSld>
+    <p:spTree>
+      <p:nvGrpSpPr>
+        <p:cNvPr id="1" name=""/>
+        <p:cNvGrpSpPr/>
+        <p:nvPr/>
+      </p:nvGrpSpPr>
+      <p:grpSpPr>
+        <a:xfrm>
+          <a:off x="0" y="0"/>
+          <a:ext cx="0" cy="0"/>
+          <a:chOff x="0" y="0"/>
+          <a:chExt cx="0" cy="0"/>
+        </a:xfrm>
+      </p:grpSpPr>
+      <p:sp>
+        <p:nvSpPr>
+          <p:cNvPr id="2" name="Título 1"/>
+          <p:cNvSpPr>
+            <a:spLocks noGrp="1"/>
+          </p:cNvSpPr>
+          <p:nvPr>
+            <p:ph type="title"/>
+          </p:nvPr>
+        </p:nvSpPr>
+        <p:spPr/>
+        <p:txBody>
+          <a:bodyPr/>
+          <a:lstStyle/>
+          <a:p>
+            <a:r>
+              <a:rPr lang="pt-BR" dirty="0" smtClean="0"/>
+              <a:t>Framework Collection</a:t>
+            </a:r>
+            <a:endParaRPr lang="pt-BR" dirty="0"/>
+          </a:p>
+        </p:txBody>
+      </p:sp>
+      <p:sp>
+        <p:nvSpPr>
+          <p:cNvPr id="3" name="Espaço Reservado para Conteúdo 2"/>
+          <p:cNvSpPr>
+            <a:spLocks noGrp="1"/>
+          </p:cNvSpPr>
+          <p:nvPr>
+            <p:ph idx="1"/>
+          </p:nvPr>
+        </p:nvSpPr>
+        <p:spPr/>
+        <p:txBody>
+          <a:bodyPr>
+            <a:normAutofit/>
+          </a:bodyPr>
+          <a:lstStyle/>
+          <a:p>
+            <a:r>
+              <a:rPr lang="pt-BR" dirty="0" smtClean="0"/>
+              <a:t>Interface </a:t>
+            </a:r>
+            <a:r>
+              <a:rPr lang="pt-BR" dirty="0" smtClean="0"/>
+              <a:t>“SortedMap</a:t>
+            </a:r>
+            <a:r>
+              <a:rPr lang="pt-BR" dirty="0" smtClean="0"/>
+              <a:t>”</a:t>
+            </a:r>
+          </a:p>
+          <a:p>
+            <a:pPr lvl="1"/>
+            <a:r>
+              <a:rPr lang="pt-BR" dirty="0" smtClean="0"/>
+              <a:t>Define semântica de ordenação pela “chave”</a:t>
+            </a:r>
+          </a:p>
+          <a:p>
+            <a:pPr lvl="2"/>
+            <a:r>
+              <a:rPr lang="pt-BR" dirty="0" smtClean="0"/>
+              <a:t>Análogo ao SortedSet</a:t>
+            </a:r>
+            <a:endParaRPr lang="pt-BR" dirty="0" smtClean="0"/>
+          </a:p>
+        </p:txBody>
+      </p:sp>
+    </p:spTree>
+  </p:cSld>
+  <p:clrMapOvr>
+    <a:masterClrMapping/>
+  </p:clrMapOvr>
+  <p:timing>
+    <p:tnLst>
+      <p:par>
+        <p:cTn id="1" dur="indefinite" restart="never" nodeType="tmRoot"/>
+      </p:par>
+    </p:tnLst>
+  </p:timing>
+</p:sld>
+</file>
+
+<file path=ppt/slides/slide34.xml><?xml version="1.0" encoding="utf-8"?>
+<p:sld xmlns:a="http://schemas.openxmlformats.org/drawingml/2006/main" xmlns:r="http://schemas.openxmlformats.org/officeDocument/2006/relationships" xmlns:p="http://schemas.openxmlformats.org/presentationml/2006/main">
+  <p:cSld>
+    <p:spTree>
+      <p:nvGrpSpPr>
+        <p:cNvPr id="1" name=""/>
+        <p:cNvGrpSpPr/>
+        <p:nvPr/>
+      </p:nvGrpSpPr>
+      <p:grpSpPr>
+        <a:xfrm>
+          <a:off x="0" y="0"/>
+          <a:ext cx="0" cy="0"/>
+          <a:chOff x="0" y="0"/>
+          <a:chExt cx="0" cy="0"/>
+        </a:xfrm>
+      </p:grpSpPr>
+      <p:sp>
+        <p:nvSpPr>
+          <p:cNvPr id="2" name="Título 1"/>
+          <p:cNvSpPr>
+            <a:spLocks noGrp="1"/>
+          </p:cNvSpPr>
+          <p:nvPr>
+            <p:ph type="title"/>
+          </p:nvPr>
+        </p:nvSpPr>
+        <p:spPr/>
+        <p:txBody>
+          <a:bodyPr/>
+          <a:lstStyle/>
+          <a:p>
+            <a:r>
+              <a:rPr lang="pt-BR" dirty="0" smtClean="0"/>
+              <a:t>Framework Collection</a:t>
+            </a:r>
+            <a:endParaRPr lang="pt-BR" dirty="0"/>
+          </a:p>
+        </p:txBody>
+      </p:sp>
+      <p:sp>
+        <p:nvSpPr>
+          <p:cNvPr id="3" name="Espaço Reservado para Conteúdo 2"/>
+          <p:cNvSpPr>
+            <a:spLocks noGrp="1"/>
+          </p:cNvSpPr>
+          <p:nvPr>
+            <p:ph idx="1"/>
+          </p:nvPr>
+        </p:nvSpPr>
+        <p:spPr/>
+        <p:txBody>
+          <a:bodyPr>
+            <a:normAutofit lnSpcReduction="10000"/>
+          </a:bodyPr>
+          <a:lstStyle/>
+          <a:p>
+            <a:r>
+              <a:rPr lang="pt-BR" dirty="0" smtClean="0"/>
+              <a:t>Implementações de Map</a:t>
+            </a:r>
+          </a:p>
+          <a:p>
+            <a:pPr lvl="1"/>
+            <a:r>
+              <a:rPr lang="pt-BR" dirty="0" smtClean="0"/>
+              <a:t>HashMap</a:t>
+            </a:r>
+          </a:p>
+          <a:p>
+            <a:pPr lvl="2"/>
+            <a:r>
+              <a:rPr lang="pt-BR" dirty="0" smtClean="0"/>
+              <a:t>Maior Performance</a:t>
+            </a:r>
+          </a:p>
+          <a:p>
+            <a:pPr lvl="2"/>
+            <a:r>
+              <a:rPr lang="pt-BR" dirty="0" smtClean="0"/>
+              <a:t>Não mantém ORDEM</a:t>
+            </a:r>
+          </a:p>
+          <a:p>
+            <a:pPr lvl="2"/>
+            <a:r>
+              <a:rPr lang="pt-BR" dirty="0" smtClean="0"/>
+              <a:t>Mais utilizada (mais comum)</a:t>
+            </a:r>
+          </a:p>
+          <a:p>
+            <a:pPr lvl="1"/>
+            <a:r>
+              <a:rPr lang="pt-BR" dirty="0" smtClean="0"/>
+              <a:t>LinkedHashMap</a:t>
+            </a:r>
+          </a:p>
+          <a:p>
+            <a:pPr lvl="2"/>
+            <a:r>
+              <a:rPr lang="pt-BR" dirty="0" smtClean="0"/>
+              <a:t>Boa performance (próximo do HashMap)</a:t>
+            </a:r>
+          </a:p>
+          <a:p>
+            <a:pPr lvl="2"/>
+            <a:r>
+              <a:rPr lang="pt-BR" dirty="0" smtClean="0"/>
+              <a:t>Mantém Ordem</a:t>
+            </a:r>
+            <a:endParaRPr lang="pt-BR" dirty="0" smtClean="0"/>
+          </a:p>
+          <a:p>
+            <a:pPr lvl="1"/>
+            <a:r>
+              <a:rPr lang="pt-BR" dirty="0" smtClean="0"/>
+              <a:t>TreeMap</a:t>
+            </a:r>
+          </a:p>
+          <a:p>
+            <a:pPr lvl="2"/>
+            <a:r>
+              <a:rPr lang="pt-BR" dirty="0" smtClean="0"/>
+              <a:t>Implementa SortedMap (semântica de ordenação)</a:t>
+            </a:r>
+          </a:p>
+        </p:txBody>
+      </p:sp>
+    </p:spTree>
+  </p:cSld>
+  <p:clrMapOvr>
+    <a:masterClrMapping/>
+  </p:clrMapOvr>
+  <p:timing>
+    <p:tnLst>
+      <p:par>
+        <p:cTn id="1" dur="indefinite" restart="never" nodeType="tmRoot"/>
+      </p:par>
+    </p:tnLst>
+  </p:timing>
+</p:sld>
+</file>
+
+<file path=ppt/slides/slide35.xml><?xml version="1.0" encoding="utf-8"?>
+<p:sld xmlns:a="http://schemas.openxmlformats.org/drawingml/2006/main" xmlns:r="http://schemas.openxmlformats.org/officeDocument/2006/relationships" xmlns:p="http://schemas.openxmlformats.org/presentationml/2006/main">
+  <p:cSld>
+    <p:spTree>
+      <p:nvGrpSpPr>
+        <p:cNvPr id="1" name=""/>
+        <p:cNvGrpSpPr/>
+        <p:nvPr/>
+      </p:nvGrpSpPr>
+      <p:grpSpPr>
+        <a:xfrm>
+          <a:off x="0" y="0"/>
+          <a:ext cx="0" cy="0"/>
+          <a:chOff x="0" y="0"/>
+          <a:chExt cx="0" cy="0"/>
+        </a:xfrm>
+      </p:grpSpPr>
+      <p:sp>
+        <p:nvSpPr>
+          <p:cNvPr id="2" name="Título 1"/>
+          <p:cNvSpPr>
+            <a:spLocks noGrp="1"/>
+          </p:cNvSpPr>
+          <p:nvPr>
+            <p:ph type="title"/>
+          </p:nvPr>
+        </p:nvSpPr>
+        <p:spPr/>
+        <p:txBody>
+          <a:bodyPr/>
+          <a:lstStyle/>
+          <a:p>
+            <a:r>
+              <a:rPr lang="pt-BR" dirty="0" smtClean="0"/>
+              <a:t>Framework Collection</a:t>
+            </a:r>
+            <a:endParaRPr lang="pt-BR" dirty="0"/>
+          </a:p>
+        </p:txBody>
+      </p:sp>
+      <p:sp>
+        <p:nvSpPr>
+          <p:cNvPr id="3" name="Espaço Reservado para Conteúdo 2"/>
+          <p:cNvSpPr>
+            <a:spLocks noGrp="1"/>
+          </p:cNvSpPr>
+          <p:nvPr>
+            <p:ph idx="1"/>
+          </p:nvPr>
+        </p:nvSpPr>
+        <p:spPr/>
+        <p:txBody>
+          <a:bodyPr>
+            <a:normAutofit fontScale="92500" lnSpcReduction="20000"/>
+          </a:bodyPr>
+          <a:lstStyle/>
+          <a:p>
+            <a:r>
+              <a:rPr lang="pt-BR" dirty="0" err="1" smtClean="0"/>
+              <a:t>Iterator</a:t>
+            </a:r>
+            <a:endParaRPr lang="pt-BR" dirty="0" smtClean="0"/>
+          </a:p>
+          <a:p>
+            <a:pPr lvl="1"/>
+            <a:r>
+              <a:rPr lang="pt-BR" dirty="0" smtClean="0"/>
+              <a:t>Iterar (</a:t>
+            </a:r>
+            <a:r>
+              <a:rPr lang="pt-BR" dirty="0" err="1" smtClean="0"/>
+              <a:t>traversing</a:t>
+            </a:r>
+            <a:r>
+              <a:rPr lang="pt-BR" dirty="0" smtClean="0"/>
+              <a:t>) sob os elementos de forma independente da implementação</a:t>
+            </a:r>
+          </a:p>
+          <a:p>
+            <a:pPr lvl="1"/>
+            <a:r>
+              <a:rPr lang="pt-BR" dirty="0" smtClean="0"/>
+              <a:t>Remover e Obter o Elemento</a:t>
+            </a:r>
+          </a:p>
+          <a:p>
+            <a:pPr lvl="1"/>
+            <a:r>
+              <a:rPr lang="pt-BR" dirty="0" err="1" smtClean="0"/>
+              <a:t>Pattern</a:t>
+            </a:r>
+            <a:r>
+              <a:rPr lang="pt-BR" dirty="0" smtClean="0"/>
+              <a:t> GoF (</a:t>
+            </a:r>
+            <a:r>
+              <a:rPr lang="pt-BR" i="1" dirty="0" err="1" smtClean="0"/>
+              <a:t>Iterator</a:t>
+            </a:r>
+            <a:r>
+              <a:rPr lang="pt-BR" dirty="0" smtClean="0"/>
+              <a:t>)</a:t>
+            </a:r>
+          </a:p>
+          <a:p>
+            <a:r>
+              <a:rPr lang="pt-BR" dirty="0" err="1" smtClean="0"/>
+              <a:t>ListIterator</a:t>
+            </a:r>
+            <a:endParaRPr lang="pt-BR" dirty="0" smtClean="0"/>
+          </a:p>
+          <a:p>
+            <a:pPr lvl="1"/>
+            <a:r>
+              <a:rPr lang="pt-BR" dirty="0" smtClean="0"/>
+              <a:t>Iteração </a:t>
+            </a:r>
+            <a:r>
+              <a:rPr lang="pt-BR" i="1" dirty="0" err="1" smtClean="0"/>
+              <a:t>Bi-Direcional</a:t>
+            </a:r>
+            <a:endParaRPr lang="pt-BR" dirty="0" smtClean="0"/>
+          </a:p>
+          <a:p>
+            <a:r>
+              <a:rPr lang="pt-BR" dirty="0" smtClean="0"/>
+              <a:t>Collection</a:t>
+            </a:r>
+          </a:p>
+          <a:p>
+            <a:pPr lvl="1"/>
+            <a:r>
+              <a:rPr lang="pt-BR" dirty="0" err="1" smtClean="0"/>
+              <a:t>public</a:t>
+            </a:r>
+            <a:r>
+              <a:rPr lang="pt-BR" dirty="0" smtClean="0"/>
+              <a:t> </a:t>
+            </a:r>
+            <a:r>
+              <a:rPr lang="pt-BR" dirty="0" err="1" smtClean="0"/>
+              <a:t>Iterator</a:t>
+            </a:r>
+            <a:r>
+              <a:rPr lang="pt-BR" dirty="0" smtClean="0"/>
+              <a:t> </a:t>
+            </a:r>
+            <a:r>
+              <a:rPr lang="pt-BR" dirty="0" err="1" smtClean="0"/>
+              <a:t>iterator</a:t>
+            </a:r>
+            <a:r>
+              <a:rPr lang="pt-BR" dirty="0" smtClean="0"/>
+              <a:t>();</a:t>
+            </a:r>
+          </a:p>
+          <a:p>
+            <a:r>
+              <a:rPr lang="pt-BR" dirty="0" smtClean="0"/>
+              <a:t>List</a:t>
+            </a:r>
+          </a:p>
+          <a:p>
+            <a:pPr lvl="1"/>
+            <a:r>
+              <a:rPr lang="pt-BR" dirty="0" err="1" smtClean="0"/>
+              <a:t>public</a:t>
+            </a:r>
+            <a:r>
+              <a:rPr lang="pt-BR" dirty="0" smtClean="0"/>
+              <a:t> </a:t>
+            </a:r>
+            <a:r>
+              <a:rPr lang="pt-BR" dirty="0" err="1" smtClean="0"/>
+              <a:t>ListIterator</a:t>
+            </a:r>
+            <a:r>
+              <a:rPr lang="pt-BR" dirty="0" smtClean="0"/>
+              <a:t> </a:t>
+            </a:r>
+            <a:r>
+              <a:rPr lang="pt-BR" dirty="0" err="1" smtClean="0"/>
+              <a:t>listIterator</a:t>
+            </a:r>
+            <a:r>
+              <a:rPr lang="pt-BR" dirty="0" smtClean="0"/>
+              <a:t>();</a:t>
+            </a:r>
+          </a:p>
+          <a:p>
+            <a:pPr lvl="1"/>
+            <a:endParaRPr lang="pt-BR" dirty="0" smtClean="0"/>
+          </a:p>
+          <a:p>
+            <a:pPr lvl="1"/>
+            <a:endParaRPr lang="pt-BR" dirty="0" smtClean="0"/>
+          </a:p>
+        </p:txBody>
+      </p:sp>
+    </p:spTree>
+  </p:cSld>
+  <p:clrMapOvr>
+    <a:masterClrMapping/>
+  </p:clrMapOvr>
+  <p:timing>
+    <p:tnLst>
+      <p:par>
+        <p:cTn id="1" dur="indefinite" restart="never" nodeType="tmRoot"/>
+      </p:par>
+    </p:tnLst>
+  </p:timing>
+</p:sld>
+</file>
+
+<file path=ppt/slides/slide36.xml><?xml version="1.0" encoding="utf-8"?>
+<p:sld xmlns:a="http://schemas.openxmlformats.org/drawingml/2006/main" xmlns:r="http://schemas.openxmlformats.org/officeDocument/2006/relationships" xmlns:p="http://schemas.openxmlformats.org/presentationml/2006/main">
+  <p:cSld>
+    <p:spTree>
+      <p:nvGrpSpPr>
+        <p:cNvPr id="1" name=""/>
+        <p:cNvGrpSpPr/>
+        <p:nvPr/>
+      </p:nvGrpSpPr>
+      <p:grpSpPr>
+        <a:xfrm>
+          <a:off x="0" y="0"/>
+          <a:ext cx="0" cy="0"/>
+          <a:chOff x="0" y="0"/>
+          <a:chExt cx="0" cy="0"/>
+        </a:xfrm>
+      </p:grpSpPr>
+      <p:sp>
+        <p:nvSpPr>
+          <p:cNvPr id="2" name="Título 1"/>
+          <p:cNvSpPr>
+            <a:spLocks noGrp="1"/>
+          </p:cNvSpPr>
+          <p:nvPr>
+            <p:ph type="title"/>
+          </p:nvPr>
+        </p:nvSpPr>
+        <p:spPr/>
+        <p:txBody>
+          <a:bodyPr/>
+          <a:lstStyle/>
+          <a:p>
+            <a:r>
+              <a:rPr lang="pt-BR" dirty="0" smtClean="0"/>
+              <a:t>Framework Collection</a:t>
+            </a:r>
+            <a:endParaRPr lang="pt-BR" dirty="0"/>
+          </a:p>
+        </p:txBody>
+      </p:sp>
+      <p:sp>
+        <p:nvSpPr>
+          <p:cNvPr id="3" name="Espaço Reservado para Conteúdo 2"/>
+          <p:cNvSpPr>
+            <a:spLocks noGrp="1"/>
+          </p:cNvSpPr>
+          <p:nvPr>
+            <p:ph idx="1"/>
+          </p:nvPr>
+        </p:nvSpPr>
+        <p:spPr/>
+        <p:txBody>
+          <a:bodyPr>
+            <a:normAutofit lnSpcReduction="10000"/>
+          </a:bodyPr>
+          <a:lstStyle/>
+          <a:p>
+            <a:r>
+              <a:rPr lang="pt-BR" dirty="0" smtClean="0"/>
+              <a:t>Collections (Utilitários)</a:t>
+            </a:r>
+          </a:p>
+          <a:p>
+            <a:pPr lvl="1"/>
+            <a:r>
+              <a:rPr lang="pt-BR" dirty="0" smtClean="0"/>
+              <a:t>Utilitários para retornar Set, List e Map vazios</a:t>
+            </a:r>
+          </a:p>
+          <a:p>
+            <a:pPr lvl="2"/>
+            <a:r>
+              <a:rPr lang="pt-BR" dirty="0" smtClean="0"/>
+              <a:t>Collections.</a:t>
+            </a:r>
+            <a:r>
+              <a:rPr lang="pt-BR" dirty="0" err="1" smtClean="0"/>
+              <a:t>emptySet</a:t>
+            </a:r>
+            <a:r>
+              <a:rPr lang="pt-BR" dirty="0" smtClean="0"/>
+              <a:t>()</a:t>
+            </a:r>
+          </a:p>
+          <a:p>
+            <a:pPr lvl="2"/>
+            <a:r>
+              <a:rPr lang="pt-BR" dirty="0" smtClean="0"/>
+              <a:t>Collections.</a:t>
+            </a:r>
+            <a:r>
+              <a:rPr lang="pt-BR" dirty="0" err="1" smtClean="0"/>
+              <a:t>emptyList</a:t>
+            </a:r>
+            <a:r>
+              <a:rPr lang="pt-BR" dirty="0" smtClean="0"/>
+              <a:t>()</a:t>
+            </a:r>
+          </a:p>
+          <a:p>
+            <a:pPr lvl="2"/>
+            <a:r>
+              <a:rPr lang="pt-BR" dirty="0" smtClean="0"/>
+              <a:t>Collections.</a:t>
+            </a:r>
+            <a:r>
+              <a:rPr lang="pt-BR" dirty="0" err="1" smtClean="0"/>
+              <a:t>emptyMap</a:t>
+            </a:r>
+            <a:r>
+              <a:rPr lang="pt-BR" dirty="0" smtClean="0"/>
+              <a:t>()</a:t>
+            </a:r>
+          </a:p>
+          <a:p>
+            <a:pPr lvl="1"/>
+            <a:r>
+              <a:rPr lang="pt-BR" dirty="0" smtClean="0"/>
+              <a:t>Ordenação</a:t>
+            </a:r>
+          </a:p>
+          <a:p>
+            <a:pPr lvl="2"/>
+            <a:r>
+              <a:rPr lang="pt-BR" dirty="0" smtClean="0"/>
+              <a:t>Collections.</a:t>
+            </a:r>
+            <a:r>
+              <a:rPr lang="pt-BR" dirty="0" err="1" smtClean="0"/>
+              <a:t>sort</a:t>
+            </a:r>
+            <a:r>
+              <a:rPr lang="pt-BR" dirty="0" smtClean="0"/>
+              <a:t>(Collection)</a:t>
+            </a:r>
+          </a:p>
+          <a:p>
+            <a:pPr lvl="2"/>
+            <a:r>
+              <a:rPr lang="pt-BR" dirty="0" smtClean="0"/>
+              <a:t>Collections.</a:t>
+            </a:r>
+            <a:r>
+              <a:rPr lang="pt-BR" dirty="0" err="1" smtClean="0"/>
+              <a:t>sort</a:t>
+            </a:r>
+            <a:r>
+              <a:rPr lang="pt-BR" dirty="0" smtClean="0"/>
+              <a:t>(Collection, </a:t>
+            </a:r>
+            <a:r>
+              <a:rPr lang="pt-BR" dirty="0" err="1" smtClean="0"/>
+              <a:t>Comparator</a:t>
+            </a:r>
+            <a:r>
+              <a:rPr lang="pt-BR" dirty="0" smtClean="0"/>
+              <a:t>)</a:t>
+            </a:r>
+          </a:p>
+          <a:p>
+            <a:pPr lvl="1"/>
+            <a:r>
+              <a:rPr lang="pt-BR" dirty="0" err="1" smtClean="0"/>
+              <a:t>Embaralhamento</a:t>
+            </a:r>
+            <a:r>
+              <a:rPr lang="pt-BR" dirty="0" smtClean="0"/>
+              <a:t> (</a:t>
+            </a:r>
+            <a:r>
+              <a:rPr lang="pt-BR" dirty="0" err="1" smtClean="0"/>
+              <a:t>shuffling</a:t>
+            </a:r>
+            <a:r>
+              <a:rPr lang="pt-BR" dirty="0" smtClean="0"/>
+              <a:t>)</a:t>
+            </a:r>
+          </a:p>
+          <a:p>
+            <a:pPr lvl="2"/>
+            <a:r>
+              <a:rPr lang="pt-BR" dirty="0" smtClean="0"/>
+              <a:t>Collections.</a:t>
+            </a:r>
+            <a:r>
+              <a:rPr lang="pt-BR" dirty="0" err="1" smtClean="0"/>
+              <a:t>shuffle</a:t>
+            </a:r>
+            <a:r>
+              <a:rPr lang="pt-BR" dirty="0" smtClean="0"/>
+              <a:t>(Collection)</a:t>
+            </a:r>
+          </a:p>
+        </p:txBody>
+      </p:sp>
+    </p:spTree>
+  </p:cSld>
+  <p:clrMapOvr>
+    <a:masterClrMapping/>
+  </p:clrMapOvr>
+  <p:timing>
+    <p:tnLst>
+      <p:par>
+        <p:cTn id="1" dur="indefinite" restart="never" nodeType="tmRoot"/>
+      </p:par>
+    </p:tnLst>
+  </p:timing>
+</p:sld>
+</file>
+
+<file path=ppt/slides/slide37.xml><?xml version="1.0" encoding="utf-8"?>
+<p:sld xmlns:a="http://schemas.openxmlformats.org/drawingml/2006/main" xmlns:r="http://schemas.openxmlformats.org/officeDocument/2006/relationships" xmlns:p="http://schemas.openxmlformats.org/presentationml/2006/main">
+  <p:cSld>
+    <p:spTree>
+      <p:nvGrpSpPr>
+        <p:cNvPr id="1" name=""/>
+        <p:cNvGrpSpPr/>
+        <p:nvPr/>
+      </p:nvGrpSpPr>
+      <p:grpSpPr>
+        <a:xfrm>
+          <a:off x="0" y="0"/>
+          <a:ext cx="0" cy="0"/>
+          <a:chOff x="0" y="0"/>
+          <a:chExt cx="0" cy="0"/>
+        </a:xfrm>
+      </p:grpSpPr>
+      <p:sp>
+        <p:nvSpPr>
+          <p:cNvPr id="2" name="Título 1"/>
+          <p:cNvSpPr>
+            <a:spLocks noGrp="1"/>
+          </p:cNvSpPr>
+          <p:nvPr>
+            <p:ph type="title"/>
+          </p:nvPr>
+        </p:nvSpPr>
+        <p:spPr/>
+        <p:txBody>
+          <a:bodyPr/>
+          <a:lstStyle/>
+          <a:p>
+            <a:r>
+              <a:rPr lang="pt-BR" dirty="0" smtClean="0"/>
+              <a:t>Framework </a:t>
+            </a:r>
+            <a:r>
+              <a:rPr lang="pt-BR" dirty="0" smtClean="0"/>
+              <a:t>Collection</a:t>
+            </a:r>
+            <a:endParaRPr lang="pt-BR" dirty="0"/>
+          </a:p>
+        </p:txBody>
+      </p:sp>
+      <p:sp>
+        <p:nvSpPr>
+          <p:cNvPr id="3" name="Espaço Reservado para Conteúdo 2"/>
+          <p:cNvSpPr>
+            <a:spLocks noGrp="1"/>
+          </p:cNvSpPr>
+          <p:nvPr>
+            <p:ph idx="1"/>
+          </p:nvPr>
+        </p:nvSpPr>
+        <p:spPr/>
+        <p:txBody>
+          <a:bodyPr>
+            <a:normAutofit fontScale="92500" lnSpcReduction="20000"/>
+          </a:bodyPr>
+          <a:lstStyle/>
+          <a:p>
+            <a:r>
+              <a:rPr lang="pt-BR" dirty="0" smtClean="0"/>
+              <a:t>Collections (Utilitários)</a:t>
+            </a:r>
+          </a:p>
+          <a:p>
+            <a:pPr lvl="1"/>
+            <a:r>
+              <a:rPr lang="pt-BR" dirty="0" smtClean="0"/>
+              <a:t>reverse: Inverte a ordem dos elementos de um List</a:t>
+            </a:r>
+          </a:p>
+          <a:p>
+            <a:pPr lvl="1"/>
+            <a:r>
+              <a:rPr lang="pt-BR" dirty="0" err="1" smtClean="0"/>
+              <a:t>fill</a:t>
+            </a:r>
+            <a:r>
+              <a:rPr lang="pt-BR" dirty="0" smtClean="0"/>
+              <a:t>: Sobrescreve os elementos da lista com um objeto específico (</a:t>
+            </a:r>
+            <a:r>
+              <a:rPr lang="pt-BR" dirty="0" err="1" smtClean="0"/>
+              <a:t>util</a:t>
+            </a:r>
+            <a:r>
+              <a:rPr lang="pt-BR" dirty="0" smtClean="0"/>
+              <a:t> para reinicialização da lista)</a:t>
+            </a:r>
+          </a:p>
+          <a:p>
+            <a:pPr lvl="1"/>
+            <a:r>
+              <a:rPr lang="pt-BR" dirty="0" err="1" smtClean="0"/>
+              <a:t>copy</a:t>
+            </a:r>
+            <a:r>
+              <a:rPr lang="pt-BR" dirty="0" smtClean="0"/>
+              <a:t>: Copia os elementos de uma lista em outra</a:t>
+            </a:r>
+          </a:p>
+          <a:p>
+            <a:pPr lvl="1"/>
+            <a:r>
+              <a:rPr lang="pt-BR" dirty="0" smtClean="0"/>
+              <a:t>swap: Troca os elementos de posição</a:t>
+            </a:r>
+          </a:p>
+          <a:p>
+            <a:pPr lvl="1"/>
+            <a:r>
+              <a:rPr lang="pt-BR" dirty="0" err="1" smtClean="0"/>
+              <a:t>addAll</a:t>
+            </a:r>
+            <a:r>
+              <a:rPr lang="pt-BR" dirty="0" smtClean="0"/>
+              <a:t>: Adiciona todos os elementos em uma Collection</a:t>
+            </a:r>
+          </a:p>
+          <a:p>
+            <a:pPr lvl="1"/>
+            <a:r>
+              <a:rPr lang="pt-BR" dirty="0" err="1" smtClean="0"/>
+              <a:t>binarySearch</a:t>
+            </a:r>
+            <a:r>
+              <a:rPr lang="pt-BR" dirty="0" smtClean="0"/>
+              <a:t>: Pesquisa binária</a:t>
+            </a:r>
+          </a:p>
+          <a:p>
+            <a:pPr lvl="1"/>
+            <a:r>
+              <a:rPr lang="pt-BR" dirty="0" err="1" smtClean="0"/>
+              <a:t>frequency</a:t>
+            </a:r>
+            <a:r>
+              <a:rPr lang="pt-BR" dirty="0" smtClean="0"/>
+              <a:t>: Frequência de um elemento na lista</a:t>
+            </a:r>
+          </a:p>
+          <a:p>
+            <a:pPr lvl="1"/>
+            <a:r>
+              <a:rPr lang="pt-BR" dirty="0" err="1" smtClean="0"/>
+              <a:t>disjoint</a:t>
+            </a:r>
+            <a:r>
+              <a:rPr lang="pt-BR" dirty="0" smtClean="0"/>
+              <a:t>: </a:t>
+            </a:r>
+            <a:r>
+              <a:rPr lang="pt-BR" dirty="0" err="1" smtClean="0"/>
+              <a:t>true</a:t>
+            </a:r>
+            <a:r>
+              <a:rPr lang="pt-BR" dirty="0" smtClean="0"/>
+              <a:t> se a </a:t>
+            </a:r>
+            <a:r>
+              <a:rPr lang="pt-BR" dirty="0" err="1" smtClean="0"/>
+              <a:t>intercecção</a:t>
+            </a:r>
+            <a:r>
+              <a:rPr lang="pt-BR" dirty="0" smtClean="0"/>
+              <a:t> de duas listas </a:t>
+            </a:r>
+            <a:r>
+              <a:rPr lang="pt-BR" smtClean="0"/>
+              <a:t>é vazio</a:t>
+            </a:r>
+            <a:endParaRPr lang="pt-BR" dirty="0" smtClean="0"/>
+          </a:p>
+        </p:txBody>
+      </p:sp>
+    </p:spTree>
+  </p:cSld>
+  <p:clrMapOvr>
+    <a:masterClrMapping/>
+  </p:clrMapOvr>
+  <p:timing>
+    <p:tnLst>
+      <p:par>
+        <p:cTn id="1" dur="indefinite" restart="never" nodeType="tmRoot"/>
+      </p:par>
+    </p:tnLst>
+  </p:timing>
+</p:sld>
+</file>
+
 <file path=ppt/slides/slide4.xml><?xml version="1.0" encoding="utf-8"?>
 <p:sld xmlns:a="http://schemas.openxmlformats.org/drawingml/2006/main" xmlns:r="http://schemas.openxmlformats.org/officeDocument/2006/relationships" xmlns:p="http://schemas.openxmlformats.org/presentationml/2006/main">
   <p:cSld>
@@ -9946,7 +11198,6 @@
               <a:rPr lang="pt-BR" dirty="0" smtClean="0"/>
               <a:t>FUTURAMENTE ESTUDAREMOS MAIS ;) </a:t>
             </a:r>
-            <a:endParaRPr lang="pt-BR" dirty="0" smtClean="0"/>
           </a:p>
         </p:txBody>
       </p:sp>
